--- a/Programacao Web - CodeIgniter.pptx
+++ b/Programacao Web - CodeIgniter.pptx
@@ -5,7 +5,7 @@
     <p:sldMasterId id="2147483648" r:id="rId1"/>
   </p:sldMasterIdLst>
   <p:notesMasterIdLst>
-    <p:notesMasterId r:id="rId18"/>
+    <p:notesMasterId r:id="rId19"/>
   </p:notesMasterIdLst>
   <p:sldIdLst>
     <p:sldId id="258" r:id="rId2"/>
@@ -14,16 +14,17 @@
     <p:sldId id="263" r:id="rId5"/>
     <p:sldId id="262" r:id="rId6"/>
     <p:sldId id="257" r:id="rId7"/>
-    <p:sldId id="264" r:id="rId8"/>
-    <p:sldId id="265" r:id="rId9"/>
-    <p:sldId id="267" r:id="rId10"/>
-    <p:sldId id="268" r:id="rId11"/>
-    <p:sldId id="269" r:id="rId12"/>
-    <p:sldId id="270" r:id="rId13"/>
-    <p:sldId id="271" r:id="rId14"/>
-    <p:sldId id="272" r:id="rId15"/>
-    <p:sldId id="273" r:id="rId16"/>
-    <p:sldId id="259" r:id="rId17"/>
+    <p:sldId id="268" r:id="rId8"/>
+    <p:sldId id="274" r:id="rId9"/>
+    <p:sldId id="264" r:id="rId10"/>
+    <p:sldId id="265" r:id="rId11"/>
+    <p:sldId id="267" r:id="rId12"/>
+    <p:sldId id="271" r:id="rId13"/>
+    <p:sldId id="269" r:id="rId14"/>
+    <p:sldId id="270" r:id="rId15"/>
+    <p:sldId id="272" r:id="rId16"/>
+    <p:sldId id="273" r:id="rId17"/>
+    <p:sldId id="259" r:id="rId18"/>
   </p:sldIdLst>
   <p:sldSz cx="9144000" cy="6858000" type="screen4x3"/>
   <p:notesSz cx="6858000" cy="9144000"/>
@@ -208,7 +209,7 @@
             <a:fld id="{6FFD3546-77CF-4812-8662-C53724DA799D}" type="datetimeFigureOut">
               <a:rPr lang="pt-BR" smtClean="0"/>
               <a:pPr/>
-              <a:t>23/10/2018</a:t>
+              <a:t>24/10/2018</a:t>
             </a:fld>
             <a:endParaRPr lang="pt-BR" dirty="0"/>
           </a:p>
@@ -870,7 +871,7 @@
             <a:fld id="{A2E061D1-2200-417B-AB11-508F6CCA4675}" type="slidenum">
               <a:rPr lang="pt-BR" smtClean="0"/>
               <a:pPr/>
-              <a:t>16</a:t>
+              <a:t>17</a:t>
             </a:fld>
             <a:endParaRPr lang="pt-BR" dirty="0"/>
           </a:p>
@@ -1066,7 +1067,7 @@
             <a:fld id="{0BB06D62-6319-477A-BB3D-86171867FA2B}" type="datetime1">
               <a:rPr lang="pt-BR" smtClean="0"/>
               <a:pPr/>
-              <a:t>23/10/2018</a:t>
+              <a:t>24/10/2018</a:t>
             </a:fld>
             <a:endParaRPr lang="pt-BR" dirty="0"/>
           </a:p>
@@ -1233,7 +1234,7 @@
             <a:fld id="{31CDDDFC-CFEF-4D30-A038-DF471AD5A940}" type="datetime1">
               <a:rPr lang="pt-BR" smtClean="0"/>
               <a:pPr/>
-              <a:t>23/10/2018</a:t>
+              <a:t>24/10/2018</a:t>
             </a:fld>
             <a:endParaRPr lang="pt-BR" dirty="0"/>
           </a:p>
@@ -1410,7 +1411,7 @@
             <a:fld id="{E7DAFE29-9CBD-473C-9CCC-AABDD4EE4AE4}" type="datetime1">
               <a:rPr lang="pt-BR" smtClean="0"/>
               <a:pPr/>
-              <a:t>23/10/2018</a:t>
+              <a:t>24/10/2018</a:t>
             </a:fld>
             <a:endParaRPr lang="pt-BR" dirty="0"/>
           </a:p>
@@ -1577,7 +1578,7 @@
             <a:fld id="{1D26E1D3-7E69-4092-91B7-9CC728A963ED}" type="datetime1">
               <a:rPr lang="pt-BR" smtClean="0"/>
               <a:pPr/>
-              <a:t>23/10/2018</a:t>
+              <a:t>24/10/2018</a:t>
             </a:fld>
             <a:endParaRPr lang="pt-BR" dirty="0"/>
           </a:p>
@@ -1820,7 +1821,7 @@
             <a:fld id="{A5BEDD26-9949-4633-9314-3AEE2C5A8F24}" type="datetime1">
               <a:rPr lang="pt-BR" smtClean="0"/>
               <a:pPr/>
-              <a:t>23/10/2018</a:t>
+              <a:t>24/10/2018</a:t>
             </a:fld>
             <a:endParaRPr lang="pt-BR" dirty="0"/>
           </a:p>
@@ -2105,7 +2106,7 @@
             <a:fld id="{BE9720C7-CB40-495F-BC5D-11B53CDA623E}" type="datetime1">
               <a:rPr lang="pt-BR" smtClean="0"/>
               <a:pPr/>
-              <a:t>23/10/2018</a:t>
+              <a:t>24/10/2018</a:t>
             </a:fld>
             <a:endParaRPr lang="pt-BR" dirty="0"/>
           </a:p>
@@ -2524,7 +2525,7 @@
             <a:fld id="{BE1DD987-9E66-4678-A80C-5C94C37E2A95}" type="datetime1">
               <a:rPr lang="pt-BR" smtClean="0"/>
               <a:pPr/>
-              <a:t>23/10/2018</a:t>
+              <a:t>24/10/2018</a:t>
             </a:fld>
             <a:endParaRPr lang="pt-BR" dirty="0"/>
           </a:p>
@@ -2639,7 +2640,7 @@
             <a:fld id="{C26A8CAD-FEED-4D7F-B9E2-1650E9978B60}" type="datetime1">
               <a:rPr lang="pt-BR" smtClean="0"/>
               <a:pPr/>
-              <a:t>23/10/2018</a:t>
+              <a:t>24/10/2018</a:t>
             </a:fld>
             <a:endParaRPr lang="pt-BR" dirty="0"/>
           </a:p>
@@ -2731,7 +2732,7 @@
             <a:fld id="{B3C1817C-9A1C-4ECA-B5A7-386331D4FD04}" type="datetime1">
               <a:rPr lang="pt-BR" smtClean="0"/>
               <a:pPr/>
-              <a:t>23/10/2018</a:t>
+              <a:t>24/10/2018</a:t>
             </a:fld>
             <a:endParaRPr lang="pt-BR" dirty="0"/>
           </a:p>
@@ -3005,7 +3006,7 @@
             <a:fld id="{6C6CA622-DF5F-47DA-9FD6-026B30B4A838}" type="datetime1">
               <a:rPr lang="pt-BR" smtClean="0"/>
               <a:pPr/>
-              <a:t>23/10/2018</a:t>
+              <a:t>24/10/2018</a:t>
             </a:fld>
             <a:endParaRPr lang="pt-BR" dirty="0"/>
           </a:p>
@@ -3255,7 +3256,7 @@
             <a:fld id="{05470B2E-254D-42EE-A5BF-13A653021F74}" type="datetime1">
               <a:rPr lang="pt-BR" smtClean="0"/>
               <a:pPr/>
-              <a:t>23/10/2018</a:t>
+              <a:t>24/10/2018</a:t>
             </a:fld>
             <a:endParaRPr lang="pt-BR" dirty="0"/>
           </a:p>
@@ -3465,7 +3466,7 @@
             <a:fld id="{01875F37-01EA-419B-AE9A-2D7055E6D821}" type="datetime1">
               <a:rPr lang="pt-BR" smtClean="0"/>
               <a:pPr/>
-              <a:t>23/10/2018</a:t>
+              <a:t>24/10/2018</a:t>
             </a:fld>
             <a:endParaRPr lang="pt-BR" dirty="0"/>
           </a:p>
@@ -4136,249 +4137,9 @@
           <a:effectLst/>
         </p:spPr>
       </p:pic>
-      <p:sp>
-        <p:nvSpPr>
-          <p:cNvPr id="2" name="Espaço Reservado para Número de Slide 1"/>
-          <p:cNvSpPr>
-            <a:spLocks noGrp="1"/>
-          </p:cNvSpPr>
-          <p:nvPr>
-            <p:ph type="sldNum" sz="quarter" idx="12"/>
-          </p:nvPr>
-        </p:nvSpPr>
-        <p:spPr/>
-        <p:txBody>
-          <a:bodyPr/>
-          <a:lstStyle/>
-          <a:p>
-            <a:fld id="{1DDCB7E2-6FE2-4114-9269-8DE6ED9DF597}" type="slidenum">
-              <a:rPr lang="pt-BR" smtClean="0"/>
-              <a:pPr/>
-              <a:t>10</a:t>
-            </a:fld>
-            <a:endParaRPr lang="pt-BR" dirty="0"/>
-          </a:p>
-        </p:txBody>
-      </p:sp>
-      <p:sp>
-        <p:nvSpPr>
-          <p:cNvPr id="29697" name="Rectangle 1"/>
-          <p:cNvSpPr>
-            <a:spLocks noChangeArrowheads="1"/>
-          </p:cNvSpPr>
-          <p:nvPr/>
-        </p:nvSpPr>
-        <p:spPr bwMode="auto">
-          <a:xfrm>
-            <a:off x="2428860" y="2571744"/>
-            <a:ext cx="6715140" cy="2785378"/>
-          </a:xfrm>
-          <a:prstGeom prst="rect">
-            <a:avLst/>
-          </a:prstGeom>
-          <a:noFill/>
-          <a:ln w="9525">
-            <a:noFill/>
-            <a:miter lim="800000"/>
-            <a:headEnd/>
-            <a:tailEnd/>
-          </a:ln>
-          <a:effectLst/>
-        </p:spPr>
-        <p:txBody>
-          <a:bodyPr vert="horz" wrap="square" lIns="91440" tIns="45720" rIns="91440" bIns="45720" numCol="1" anchor="ctr" anchorCtr="0" compatLnSpc="1">
-            <a:prstTxWarp prst="textNoShape">
-              <a:avLst/>
-            </a:prstTxWarp>
-            <a:spAutoFit/>
-          </a:bodyPr>
-          <a:lstStyle/>
-          <a:p>
-            <a:pPr marL="0" marR="0" lvl="0" indent="0" algn="l" defTabSz="914400" rtl="0" eaLnBrk="1" fontAlgn="base" latinLnBrk="0" hangingPunct="1">
-              <a:lnSpc>
-                <a:spcPct val="100000"/>
-              </a:lnSpc>
-              <a:spcBef>
-                <a:spcPct val="0"/>
-              </a:spcBef>
-              <a:spcAft>
-                <a:spcPct val="0"/>
-              </a:spcAft>
-              <a:buClrTx/>
-              <a:buSzTx/>
-              <a:buFontTx/>
-              <a:buNone/>
-              <a:tabLst/>
-            </a:pPr>
-            <a:r>
-              <a:rPr kumimoji="0" lang="pt-BR" sz="3000" b="0" i="0" u="none" strike="noStrike" cap="none" normalizeH="0" baseline="0" dirty="0" smtClean="0">
-                <a:ln>
-                  <a:noFill/>
-                </a:ln>
-                <a:solidFill>
-                  <a:schemeClr val="tx1">
-                    <a:lumMod val="65000"/>
-                    <a:lumOff val="35000"/>
-                  </a:schemeClr>
-                </a:solidFill>
-                <a:effectLst/>
-                <a:ea typeface="Times New Roman" pitchFamily="18" charset="0"/>
-                <a:cs typeface="Arial" pitchFamily="34" charset="0"/>
-              </a:rPr>
-              <a:t>CodeIgniter cai como uma luva</a:t>
-            </a:r>
-            <a:endParaRPr lang="pt-BR" sz="3000" dirty="0" smtClean="0">
-              <a:solidFill>
-                <a:schemeClr val="tx1">
-                  <a:lumMod val="65000"/>
-                  <a:lumOff val="35000"/>
-                </a:schemeClr>
-              </a:solidFill>
-              <a:cs typeface="Arial" pitchFamily="34" charset="0"/>
-            </a:endParaRPr>
-          </a:p>
-          <a:p>
-            <a:pPr marL="0" marR="0" lvl="0" indent="0" algn="l" defTabSz="914400" rtl="0" eaLnBrk="1" fontAlgn="base" latinLnBrk="0" hangingPunct="1">
-              <a:lnSpc>
-                <a:spcPct val="100000"/>
-              </a:lnSpc>
-              <a:spcBef>
-                <a:spcPct val="0"/>
-              </a:spcBef>
-              <a:spcAft>
-                <a:spcPct val="0"/>
-              </a:spcAft>
-              <a:buClrTx/>
-              <a:buSzTx/>
-              <a:buFontTx/>
-              <a:buNone/>
-              <a:tabLst/>
-            </a:pPr>
-            <a:endParaRPr lang="pt-BR" sz="3000" dirty="0">
-              <a:solidFill>
-                <a:schemeClr val="tx1">
-                  <a:lumMod val="65000"/>
-                  <a:lumOff val="35000"/>
-                </a:schemeClr>
-              </a:solidFill>
-              <a:latin typeface="Arial" pitchFamily="34" charset="0"/>
-              <a:cs typeface="Arial" pitchFamily="34" charset="0"/>
-            </a:endParaRPr>
-          </a:p>
-          <a:p>
-            <a:pPr marL="0" marR="0" lvl="0" indent="0" algn="l" defTabSz="914400" rtl="0" eaLnBrk="1" fontAlgn="base" latinLnBrk="0" hangingPunct="1">
-              <a:lnSpc>
-                <a:spcPct val="100000"/>
-              </a:lnSpc>
-              <a:spcBef>
-                <a:spcPct val="0"/>
-              </a:spcBef>
-              <a:spcAft>
-                <a:spcPct val="0"/>
-              </a:spcAft>
-              <a:buClrTx/>
-              <a:buSzTx/>
-              <a:buFontTx/>
-              <a:buNone/>
-              <a:tabLst/>
-            </a:pPr>
-            <a:endParaRPr lang="pt-BR" sz="3000" dirty="0" smtClean="0">
-              <a:solidFill>
-                <a:schemeClr val="tx1">
-                  <a:lumMod val="65000"/>
-                  <a:lumOff val="35000"/>
-                </a:schemeClr>
-              </a:solidFill>
-              <a:latin typeface="Arial" pitchFamily="34" charset="0"/>
-              <a:cs typeface="Arial" pitchFamily="34" charset="0"/>
-            </a:endParaRPr>
-          </a:p>
-          <a:p>
-            <a:pPr marL="0" marR="0" lvl="0" indent="0" algn="l" defTabSz="914400" rtl="0" eaLnBrk="1" fontAlgn="base" latinLnBrk="0" hangingPunct="1">
-              <a:lnSpc>
-                <a:spcPct val="100000"/>
-              </a:lnSpc>
-              <a:spcBef>
-                <a:spcPct val="0"/>
-              </a:spcBef>
-              <a:spcAft>
-                <a:spcPct val="0"/>
-              </a:spcAft>
-              <a:buClrTx/>
-              <a:buSzTx/>
-              <a:buFontTx/>
-              <a:buNone/>
-              <a:tabLst/>
-            </a:pPr>
-            <a:endParaRPr lang="pt-BR" sz="3000" dirty="0">
-              <a:solidFill>
-                <a:schemeClr val="tx1">
-                  <a:lumMod val="65000"/>
-                  <a:lumOff val="35000"/>
-                </a:schemeClr>
-              </a:solidFill>
-              <a:latin typeface="Arial" pitchFamily="34" charset="0"/>
-              <a:cs typeface="Arial" pitchFamily="34" charset="0"/>
-            </a:endParaRPr>
-          </a:p>
-          <a:p>
-            <a:pPr fontAlgn="base">
-              <a:spcBef>
-                <a:spcPct val="0"/>
-              </a:spcBef>
-              <a:spcAft>
-                <a:spcPct val="0"/>
-              </a:spcAft>
-            </a:pPr>
-            <a:r>
-              <a:rPr lang="pt-BR" sz="3000" dirty="0">
-                <a:solidFill>
-                  <a:schemeClr val="tx1">
-                    <a:lumMod val="65000"/>
-                    <a:lumOff val="35000"/>
-                  </a:schemeClr>
-                </a:solidFill>
-              </a:rPr>
-              <a:t>CodeIgniter é extensível</a:t>
-            </a:r>
-          </a:p>
-          <a:p>
-            <a:pPr marL="0" marR="0" lvl="0" indent="0" algn="l" defTabSz="914400" rtl="0" eaLnBrk="1" fontAlgn="base" latinLnBrk="0" hangingPunct="1">
-              <a:lnSpc>
-                <a:spcPct val="100000"/>
-              </a:lnSpc>
-              <a:spcBef>
-                <a:spcPct val="0"/>
-              </a:spcBef>
-              <a:spcAft>
-                <a:spcPct val="0"/>
-              </a:spcAft>
-              <a:buClrTx/>
-              <a:buSzTx/>
-              <a:buFontTx/>
-              <a:buNone/>
-              <a:tabLst/>
-            </a:pPr>
-            <a:endParaRPr kumimoji="0" lang="pt-BR" sz="2500" b="0" i="0" u="none" strike="noStrike" cap="none" normalizeH="0" baseline="0" dirty="0" smtClean="0">
-              <a:ln>
-                <a:noFill/>
-              </a:ln>
-              <a:solidFill>
-                <a:schemeClr val="tx1">
-                  <a:lumMod val="65000"/>
-                  <a:lumOff val="35000"/>
-                </a:schemeClr>
-              </a:solidFill>
-              <a:effectLst/>
-              <a:latin typeface="Arial" pitchFamily="34" charset="0"/>
-              <a:cs typeface="Arial" pitchFamily="34" charset="0"/>
-            </a:endParaRPr>
-          </a:p>
-        </p:txBody>
-      </p:sp>
       <p:pic>
         <p:nvPicPr>
-          <p:cNvPr id="5" name="Imagem 4" descr="icon.jpg"/>
+          <p:cNvPr id="6" name="Imagem 5" descr="classcontroler.jpg"/>
           <p:cNvPicPr>
             <a:picLocks noChangeAspect="1"/>
           </p:cNvPicPr>
@@ -4392,48 +4153,48 @@
         </p:blipFill>
         <p:spPr>
           <a:xfrm>
-            <a:off x="7286644" y="2143116"/>
-            <a:ext cx="928694" cy="928694"/>
+            <a:off x="2500298" y="1814667"/>
+            <a:ext cx="6143668" cy="4971919"/>
           </a:xfrm>
           <a:prstGeom prst="rect">
             <a:avLst/>
           </a:prstGeom>
         </p:spPr>
       </p:pic>
-      <p:pic>
-        <p:nvPicPr>
-          <p:cNvPr id="6" name="Imagem 5" descr="icon.jpg"/>
-          <p:cNvPicPr>
-            <a:picLocks noChangeAspect="1"/>
-          </p:cNvPicPr>
-          <p:nvPr/>
-        </p:nvPicPr>
-        <p:blipFill>
-          <a:blip r:embed="rId3"/>
-          <a:stretch>
-            <a:fillRect/>
-          </a:stretch>
-        </p:blipFill>
-        <p:spPr>
-          <a:xfrm>
-            <a:off x="6215074" y="4000504"/>
-            <a:ext cx="928694" cy="928694"/>
-          </a:xfrm>
-          <a:prstGeom prst="rect">
-            <a:avLst/>
-          </a:prstGeom>
-        </p:spPr>
-      </p:pic>
-      <p:sp>
-        <p:nvSpPr>
-          <p:cNvPr id="7" name="Retângulo 6"/>
+      <p:sp>
+        <p:nvSpPr>
+          <p:cNvPr id="2" name="Espaço Reservado para Número de Slide 1"/>
+          <p:cNvSpPr>
+            <a:spLocks noGrp="1"/>
+          </p:cNvSpPr>
+          <p:nvPr>
+            <p:ph type="sldNum" sz="quarter" idx="12"/>
+          </p:nvPr>
+        </p:nvSpPr>
+        <p:spPr/>
+        <p:txBody>
+          <a:bodyPr/>
+          <a:lstStyle/>
+          <a:p>
+            <a:fld id="{1DDCB7E2-6FE2-4114-9269-8DE6ED9DF597}" type="slidenum">
+              <a:rPr lang="pt-BR" smtClean="0"/>
+              <a:pPr/>
+              <a:t>10</a:t>
+            </a:fld>
+            <a:endParaRPr lang="pt-BR" dirty="0"/>
+          </a:p>
+        </p:txBody>
+      </p:sp>
+      <p:sp>
+        <p:nvSpPr>
+          <p:cNvPr id="4" name="Retângulo 3"/>
           <p:cNvSpPr/>
           <p:nvPr/>
         </p:nvSpPr>
         <p:spPr>
           <a:xfrm>
             <a:off x="214282" y="1820938"/>
-            <a:ext cx="2000264" cy="1107996"/>
+            <a:ext cx="2000264" cy="1569660"/>
           </a:xfrm>
           <a:prstGeom prst="rect">
             <a:avLst/>
@@ -4462,13 +4223,56 @@
                 <a:ea typeface="Microsoft JhengHei" pitchFamily="34" charset="-120"/>
                 <a:cs typeface="Aharoni" pitchFamily="2" charset="-79"/>
               </a:rPr>
-              <a:t>Mais Sobre</a:t>
+              <a:t>URL Amigáveis</a:t>
             </a:r>
           </a:p>
           <a:p>
             <a:endParaRPr lang="en-US" b="1" dirty="0">
               <a:solidFill>
                 <a:schemeClr val="bg2"/>
+              </a:solidFill>
+            </a:endParaRPr>
+          </a:p>
+        </p:txBody>
+      </p:sp>
+      <p:sp>
+        <p:nvSpPr>
+          <p:cNvPr id="8" name="Retângulo 7"/>
+          <p:cNvSpPr/>
+          <p:nvPr/>
+        </p:nvSpPr>
+        <p:spPr>
+          <a:xfrm>
+            <a:off x="3929058" y="1500174"/>
+            <a:ext cx="2928926" cy="400110"/>
+          </a:xfrm>
+          <a:prstGeom prst="rect">
+            <a:avLst/>
+          </a:prstGeom>
+        </p:spPr>
+        <p:txBody>
+          <a:bodyPr wrap="square">
+            <a:spAutoFit/>
+          </a:bodyPr>
+          <a:lstStyle/>
+          <a:p>
+            <a:r>
+              <a:rPr lang="pt-BR" sz="2000" dirty="0" smtClean="0">
+                <a:solidFill>
+                  <a:schemeClr val="tx1">
+                    <a:lumMod val="65000"/>
+                    <a:lumOff val="35000"/>
+                  </a:schemeClr>
+                </a:solidFill>
+              </a:rPr>
+              <a:t>ci_sample_controller.php</a:t>
+            </a:r>
+            <a:endParaRPr lang="pt-BR" sz="2000" dirty="0">
+              <a:solidFill>
+                <a:schemeClr val="tx1">
+                  <a:lumMod val="65000"/>
+                  <a:lumOff val="35000"/>
+                </a:schemeClr>
               </a:solidFill>
             </a:endParaRPr>
           </a:p>
@@ -4508,35 +4312,26 @@
       </p:grpSpPr>
       <p:pic>
         <p:nvPicPr>
-          <p:cNvPr id="3" name="Picture 2"/>
+          <p:cNvPr id="4" name="Imagem 3" descr="Controllers-Function-content.jpeg"/>
           <p:cNvPicPr>
-            <a:picLocks noChangeAspect="1" noChangeArrowheads="1"/>
+            <a:picLocks noChangeAspect="1"/>
           </p:cNvPicPr>
           <p:nvPr/>
         </p:nvPicPr>
         <p:blipFill>
           <a:blip r:embed="rId2"/>
-          <a:srcRect/>
           <a:stretch>
             <a:fillRect/>
           </a:stretch>
         </p:blipFill>
-        <p:spPr bwMode="auto">
-          <a:xfrm>
-            <a:off x="0" y="0"/>
+        <p:spPr>
+          <a:xfrm>
+            <a:off x="0" y="24"/>
             <a:ext cx="9144000" cy="6858000"/>
           </a:xfrm>
           <a:prstGeom prst="rect">
             <a:avLst/>
           </a:prstGeom>
-          <a:noFill/>
-          <a:ln w="9525">
-            <a:noFill/>
-            <a:miter lim="800000"/>
-            <a:headEnd/>
-            <a:tailEnd/>
-          </a:ln>
-          <a:effectLst/>
         </p:spPr>
       </p:pic>
       <p:sp>
@@ -4565,7 +4360,7 @@
       </p:sp>
       <p:pic>
         <p:nvPicPr>
-          <p:cNvPr id="4" name="Imagem 3" descr="templateengine.jpg"/>
+          <p:cNvPr id="5" name="Imagem 4" descr="viewhellow.jpg"/>
           <p:cNvPicPr>
             <a:picLocks noChangeAspect="1"/>
           </p:cNvPicPr>
@@ -4579,111 +4374,42 @@
         </p:blipFill>
         <p:spPr>
           <a:xfrm>
-            <a:off x="2514631" y="4357694"/>
-            <a:ext cx="6486525" cy="2000264"/>
+            <a:off x="785786" y="4500570"/>
+            <a:ext cx="4429156" cy="1285884"/>
           </a:xfrm>
           <a:prstGeom prst="rect">
             <a:avLst/>
           </a:prstGeom>
+          <a:ln w="76200">
+            <a:solidFill>
+              <a:schemeClr val="tx1"/>
+            </a:solidFill>
+          </a:ln>
         </p:spPr>
       </p:pic>
-      <p:pic>
-        <p:nvPicPr>
-          <p:cNvPr id="5" name="Imagem 4" descr="templatephp.jpg"/>
-          <p:cNvPicPr>
-            <a:picLocks noChangeAspect="1"/>
-          </p:cNvPicPr>
+      <p:sp>
+        <p:nvSpPr>
+          <p:cNvPr id="6" name="Retângulo 5"/>
+          <p:cNvSpPr/>
           <p:nvPr/>
-        </p:nvPicPr>
-        <p:blipFill>
-          <a:blip r:embed="rId4"/>
-          <a:stretch>
-            <a:fillRect/>
-          </a:stretch>
-        </p:blipFill>
+        </p:nvSpPr>
         <p:spPr>
           <a:xfrm>
-            <a:off x="2495581" y="2000240"/>
-            <a:ext cx="6505575" cy="1928826"/>
+            <a:off x="785786" y="4000504"/>
+            <a:ext cx="2428892" cy="400110"/>
           </a:xfrm>
           <a:prstGeom prst="rect">
             <a:avLst/>
           </a:prstGeom>
         </p:spPr>
-      </p:pic>
-      <p:sp>
-        <p:nvSpPr>
-          <p:cNvPr id="6" name="Retângulo 5"/>
-          <p:cNvSpPr/>
-          <p:nvPr/>
-        </p:nvSpPr>
-        <p:spPr>
-          <a:xfrm>
-            <a:off x="214282" y="1820938"/>
-            <a:ext cx="2000264" cy="1569660"/>
-          </a:xfrm>
-          <a:prstGeom prst="rect">
-            <a:avLst/>
-          </a:prstGeom>
-        </p:spPr>
         <p:txBody>
           <a:bodyPr wrap="square">
             <a:spAutoFit/>
           </a:bodyPr>
           <a:lstStyle/>
           <a:p>
-            <a:endParaRPr lang="en-US" b="1" dirty="0">
-              <a:solidFill>
-                <a:schemeClr val="bg2"/>
-              </a:solidFill>
-            </a:endParaRPr>
-          </a:p>
-          <a:p>
-            <a:pPr algn="ctr"/>
-            <a:r>
-              <a:rPr lang="en-US" sz="3000" b="1" dirty="0" smtClean="0">
-                <a:solidFill>
-                  <a:schemeClr val="bg2"/>
-                </a:solidFill>
-                <a:latin typeface="+mj-lt"/>
-                <a:ea typeface="Microsoft JhengHei" pitchFamily="34" charset="-120"/>
-                <a:cs typeface="Aharoni" pitchFamily="2" charset="-79"/>
-              </a:rPr>
-              <a:t>Template Engine</a:t>
-            </a:r>
-          </a:p>
-          <a:p>
-            <a:endParaRPr lang="en-US" b="1" dirty="0">
-              <a:solidFill>
-                <a:schemeClr val="bg2"/>
-              </a:solidFill>
-            </a:endParaRPr>
-          </a:p>
-        </p:txBody>
-      </p:sp>
-      <p:sp>
-        <p:nvSpPr>
-          <p:cNvPr id="7" name="Retângulo 6"/>
-          <p:cNvSpPr/>
-          <p:nvPr/>
-        </p:nvSpPr>
-        <p:spPr>
-          <a:xfrm>
-            <a:off x="2571736" y="1643050"/>
-            <a:ext cx="714380" cy="377026"/>
-          </a:xfrm>
-          <a:prstGeom prst="rect">
-            <a:avLst/>
-          </a:prstGeom>
-        </p:spPr>
-        <p:txBody>
-          <a:bodyPr wrap="square">
-            <a:spAutoFit/>
-          </a:bodyPr>
-          <a:lstStyle/>
-          <a:p>
-            <a:r>
-              <a:rPr lang="pt-BR" sz="1850" dirty="0" smtClean="0">
+            <a:r>
+              <a:rPr lang="pt-BR" sz="2000" dirty="0">
                 <a:solidFill>
                   <a:schemeClr val="tx1">
                     <a:lumMod val="65000"/>
@@ -4691,9 +4417,20 @@
                   </a:schemeClr>
                 </a:solidFill>
               </a:rPr>
-              <a:t>php</a:t>
-            </a:r>
-            <a:endParaRPr lang="pt-BR" sz="1850" dirty="0">
+              <a:t>c</a:t>
+            </a:r>
+            <a:r>
+              <a:rPr lang="pt-BR" sz="2000" dirty="0" smtClean="0">
+                <a:solidFill>
+                  <a:schemeClr val="tx1">
+                    <a:lumMod val="65000"/>
+                    <a:lumOff val="35000"/>
+                  </a:schemeClr>
+                </a:solidFill>
+              </a:rPr>
+              <a:t>i_sample_view.php</a:t>
+            </a:r>
+            <a:endParaRPr lang="pt-BR" sz="2000" dirty="0">
               <a:solidFill>
                 <a:schemeClr val="tx1">
                   <a:lumMod val="65000"/>
@@ -4701,85 +4438,6 @@
                 </a:schemeClr>
               </a:solidFill>
             </a:endParaRPr>
-          </a:p>
-        </p:txBody>
-      </p:sp>
-      <p:sp>
-        <p:nvSpPr>
-          <p:cNvPr id="8" name="Retângulo 7"/>
-          <p:cNvSpPr/>
-          <p:nvPr/>
-        </p:nvSpPr>
-        <p:spPr>
-          <a:xfrm>
-            <a:off x="2428860" y="3929066"/>
-            <a:ext cx="6643702" cy="377026"/>
-          </a:xfrm>
-          <a:prstGeom prst="rect">
-            <a:avLst/>
-          </a:prstGeom>
-        </p:spPr>
-        <p:txBody>
-          <a:bodyPr wrap="square">
-            <a:spAutoFit/>
-          </a:bodyPr>
-          <a:lstStyle/>
-          <a:p>
-            <a:r>
-              <a:rPr lang="pt-BR" sz="1850" dirty="0">
-                <a:solidFill>
-                  <a:schemeClr val="tx1">
-                    <a:lumMod val="65000"/>
-                    <a:lumOff val="35000"/>
-                  </a:schemeClr>
-                </a:solidFill>
-              </a:rPr>
-              <a:t>Compare isso com o pseudo-código usado por um </a:t>
-            </a:r>
-            <a:r>
-              <a:rPr lang="pt-BR" sz="1850" dirty="0" err="1">
-                <a:solidFill>
-                  <a:schemeClr val="tx1">
-                    <a:lumMod val="65000"/>
-                    <a:lumOff val="35000"/>
-                  </a:schemeClr>
-                </a:solidFill>
-              </a:rPr>
-              <a:t>template</a:t>
-            </a:r>
-            <a:r>
-              <a:rPr lang="pt-BR" sz="1850" dirty="0">
-                <a:solidFill>
-                  <a:schemeClr val="tx1">
-                    <a:lumMod val="65000"/>
-                    <a:lumOff val="35000"/>
-                  </a:schemeClr>
-                </a:solidFill>
-              </a:rPr>
-              <a:t> </a:t>
-            </a:r>
-            <a:r>
-              <a:rPr lang="pt-BR" sz="1850" dirty="0" err="1">
-                <a:solidFill>
-                  <a:schemeClr val="tx1">
-                    <a:lumMod val="65000"/>
-                    <a:lumOff val="35000"/>
-                  </a:schemeClr>
-                </a:solidFill>
-              </a:rPr>
-              <a:t>engine</a:t>
-            </a:r>
-            <a:r>
-              <a:rPr lang="pt-BR" sz="1850" dirty="0">
-                <a:solidFill>
-                  <a:schemeClr val="tx1">
-                    <a:lumMod val="65000"/>
-                    <a:lumOff val="35000"/>
-                  </a:schemeClr>
-                </a:solidFill>
-              </a:rPr>
-              <a:t>:</a:t>
-            </a:r>
           </a:p>
         </p:txBody>
       </p:sp>
@@ -4874,14 +4532,14 @@
       </p:sp>
       <p:sp>
         <p:nvSpPr>
-          <p:cNvPr id="5" name="Retângulo 4"/>
+          <p:cNvPr id="4" name="Retângulo 3"/>
           <p:cNvSpPr/>
           <p:nvPr/>
         </p:nvSpPr>
         <p:spPr>
           <a:xfrm>
-            <a:off x="142844" y="1820938"/>
-            <a:ext cx="2143140" cy="1938992"/>
+            <a:off x="214282" y="1820938"/>
+            <a:ext cx="2033618" cy="2031325"/>
           </a:xfrm>
           <a:prstGeom prst="rect">
             <a:avLst/>
@@ -4902,7 +4560,7 @@
           <a:p>
             <a:pPr algn="ctr"/>
             <a:r>
-              <a:rPr lang="en-US" sz="2400" b="1" dirty="0" smtClean="0">
+              <a:rPr lang="en-US" sz="3000" b="1" dirty="0" smtClean="0">
                 <a:solidFill>
                   <a:schemeClr val="bg2"/>
                 </a:solidFill>
@@ -4910,18 +4568,7 @@
                 <a:ea typeface="Microsoft JhengHei" pitchFamily="34" charset="-120"/>
                 <a:cs typeface="Aharoni" pitchFamily="2" charset="-79"/>
               </a:rPr>
-              <a:t>Documentação</a:t>
-            </a:r>
-            <a:r>
-              <a:rPr lang="en-US" sz="2800" b="1" dirty="0" smtClean="0">
-                <a:solidFill>
-                  <a:schemeClr val="bg2"/>
-                </a:solidFill>
-                <a:latin typeface="+mj-lt"/>
-                <a:ea typeface="Microsoft JhengHei" pitchFamily="34" charset="-120"/>
-                <a:cs typeface="Aharoni" pitchFamily="2" charset="-79"/>
-              </a:rPr>
-              <a:t> e Comunidade</a:t>
+              <a:t>Fluxograma de Aplicação</a:t>
             </a:r>
           </a:p>
           <a:p>
@@ -4933,315 +4580,721 @@
           </a:p>
         </p:txBody>
       </p:sp>
-      <p:sp>
-        <p:nvSpPr>
-          <p:cNvPr id="33793" name="Rectangle 1"/>
-          <p:cNvSpPr>
-            <a:spLocks noChangeArrowheads="1"/>
-          </p:cNvSpPr>
-          <p:nvPr/>
-        </p:nvSpPr>
-        <p:spPr bwMode="auto">
-          <a:xfrm>
-            <a:off x="2428860" y="1785926"/>
-            <a:ext cx="6500858" cy="3877985"/>
-          </a:xfrm>
-          <a:prstGeom prst="rect">
-            <a:avLst/>
-          </a:prstGeom>
-          <a:noFill/>
-          <a:ln w="9525">
-            <a:noFill/>
-            <a:miter lim="800000"/>
-            <a:headEnd/>
-            <a:tailEnd/>
-          </a:ln>
-          <a:effectLst/>
-        </p:spPr>
-        <p:txBody>
-          <a:bodyPr vert="horz" wrap="square" lIns="91440" tIns="45720" rIns="91440" bIns="45720" numCol="1" anchor="ctr" anchorCtr="0" compatLnSpc="1">
-            <a:prstTxWarp prst="textNoShape">
-              <a:avLst/>
-            </a:prstTxWarp>
-            <a:spAutoFit/>
-          </a:bodyPr>
-          <a:lstStyle/>
-          <a:p>
-            <a:pPr marL="0" marR="0" lvl="0" indent="0" algn="l" defTabSz="914400" rtl="0" eaLnBrk="1" fontAlgn="base" latinLnBrk="0" hangingPunct="1">
-              <a:lnSpc>
-                <a:spcPct val="100000"/>
-              </a:lnSpc>
-              <a:spcBef>
-                <a:spcPct val="0"/>
-              </a:spcBef>
-              <a:spcAft>
-                <a:spcPct val="0"/>
-              </a:spcAft>
-              <a:buClrTx/>
-              <a:buSzTx/>
-              <a:buFontTx/>
-              <a:buNone/>
-              <a:tabLst/>
-            </a:pPr>
-            <a:r>
-              <a:rPr kumimoji="0" lang="pt-BR" sz="2800" b="0" i="0" u="none" strike="noStrike" cap="none" normalizeH="0" baseline="0" dirty="0" smtClean="0">
-                <a:ln>
-                  <a:noFill/>
-                </a:ln>
-                <a:solidFill>
-                  <a:schemeClr val="tx1">
-                    <a:lumMod val="65000"/>
-                    <a:lumOff val="35000"/>
-                  </a:schemeClr>
-                </a:solidFill>
-                <a:effectLst/>
-                <a:ea typeface="Times New Roman" pitchFamily="18" charset="0"/>
-                <a:cs typeface="Arial" pitchFamily="34" charset="0"/>
-              </a:rPr>
-              <a:t>O CodeIgniter está bem </a:t>
-            </a:r>
-          </a:p>
-          <a:p>
-            <a:pPr marL="0" marR="0" lvl="0" indent="0" algn="l" defTabSz="914400" rtl="0" eaLnBrk="1" fontAlgn="base" latinLnBrk="0" hangingPunct="1">
-              <a:lnSpc>
-                <a:spcPct val="100000"/>
-              </a:lnSpc>
-              <a:spcBef>
-                <a:spcPct val="0"/>
-              </a:spcBef>
-              <a:spcAft>
-                <a:spcPct val="0"/>
-              </a:spcAft>
-              <a:buClrTx/>
-              <a:buSzTx/>
-              <a:buFontTx/>
-              <a:buNone/>
-              <a:tabLst/>
-            </a:pPr>
-            <a:r>
-              <a:rPr kumimoji="0" lang="pt-BR" sz="2800" b="0" i="0" u="none" strike="noStrike" cap="none" normalizeH="0" baseline="0" dirty="0" smtClean="0">
-                <a:ln>
-                  <a:noFill/>
-                </a:ln>
-                <a:solidFill>
-                  <a:schemeClr val="tx1">
-                    <a:lumMod val="65000"/>
-                    <a:lumOff val="35000"/>
-                  </a:schemeClr>
-                </a:solidFill>
-                <a:effectLst/>
-                <a:ea typeface="Times New Roman" pitchFamily="18" charset="0"/>
-                <a:cs typeface="Arial" pitchFamily="34" charset="0"/>
-              </a:rPr>
-              <a:t>documentado</a:t>
-            </a:r>
-          </a:p>
-          <a:p>
-            <a:pPr marL="0" marR="0" lvl="0" indent="0" algn="l" defTabSz="914400" rtl="0" eaLnBrk="1" fontAlgn="base" latinLnBrk="0" hangingPunct="1">
-              <a:lnSpc>
-                <a:spcPct val="100000"/>
-              </a:lnSpc>
-              <a:spcBef>
-                <a:spcPct val="0"/>
-              </a:spcBef>
-              <a:spcAft>
-                <a:spcPct val="0"/>
-              </a:spcAft>
-              <a:buClrTx/>
-              <a:buSzTx/>
-              <a:buFontTx/>
-              <a:buNone/>
-              <a:tabLst/>
-            </a:pPr>
-            <a:endParaRPr lang="pt-BR" sz="2500" dirty="0">
-              <a:solidFill>
-                <a:schemeClr val="tx1">
-                  <a:lumMod val="65000"/>
-                  <a:lumOff val="35000"/>
-                </a:schemeClr>
-              </a:solidFill>
-              <a:cs typeface="Arial" pitchFamily="34" charset="0"/>
-            </a:endParaRPr>
-          </a:p>
-          <a:p>
-            <a:pPr fontAlgn="base">
-              <a:spcBef>
-                <a:spcPct val="0"/>
-              </a:spcBef>
-              <a:spcAft>
-                <a:spcPct val="0"/>
-              </a:spcAft>
-            </a:pPr>
-            <a:endParaRPr lang="pt-BR" sz="2800" dirty="0" smtClean="0">
-              <a:solidFill>
-                <a:schemeClr val="tx1">
-                  <a:lumMod val="65000"/>
-                  <a:lumOff val="35000"/>
-                </a:schemeClr>
-              </a:solidFill>
-            </a:endParaRPr>
-          </a:p>
-          <a:p>
-            <a:pPr fontAlgn="base">
-              <a:spcBef>
-                <a:spcPct val="0"/>
-              </a:spcBef>
-              <a:spcAft>
-                <a:spcPct val="0"/>
-              </a:spcAft>
-            </a:pPr>
-            <a:endParaRPr lang="pt-BR" sz="2800" dirty="0">
-              <a:solidFill>
-                <a:schemeClr val="tx1">
-                  <a:lumMod val="65000"/>
-                  <a:lumOff val="35000"/>
-                </a:schemeClr>
-              </a:solidFill>
-            </a:endParaRPr>
-          </a:p>
-          <a:p>
-            <a:pPr fontAlgn="base">
-              <a:spcBef>
-                <a:spcPct val="0"/>
-              </a:spcBef>
-              <a:spcAft>
-                <a:spcPct val="0"/>
-              </a:spcAft>
-            </a:pPr>
-            <a:r>
-              <a:rPr lang="pt-BR" sz="2800" dirty="0" smtClean="0">
-                <a:solidFill>
-                  <a:schemeClr val="tx1">
-                    <a:lumMod val="65000"/>
-                    <a:lumOff val="35000"/>
-                  </a:schemeClr>
-                </a:solidFill>
-              </a:rPr>
-              <a:t>O </a:t>
-            </a:r>
-            <a:r>
-              <a:rPr lang="pt-BR" sz="2800" dirty="0">
-                <a:solidFill>
-                  <a:schemeClr val="tx1">
-                    <a:lumMod val="65000"/>
-                    <a:lumOff val="35000"/>
-                  </a:schemeClr>
-                </a:solidFill>
-              </a:rPr>
-              <a:t>CodeIgniter tem uma comunidade amigável de </a:t>
-            </a:r>
-            <a:r>
-              <a:rPr lang="pt-BR" sz="2800" dirty="0" smtClean="0">
-                <a:solidFill>
-                  <a:schemeClr val="tx1">
-                    <a:lumMod val="65000"/>
-                    <a:lumOff val="35000"/>
-                  </a:schemeClr>
-                </a:solidFill>
-              </a:rPr>
-              <a:t>usuários:</a:t>
-            </a:r>
-            <a:endParaRPr lang="pt-BR" sz="2800" dirty="0">
-              <a:solidFill>
-                <a:schemeClr val="tx1">
-                  <a:lumMod val="65000"/>
-                  <a:lumOff val="35000"/>
-                </a:schemeClr>
-              </a:solidFill>
-            </a:endParaRPr>
-          </a:p>
-          <a:p>
-            <a:pPr fontAlgn="base">
-              <a:spcBef>
-                <a:spcPct val="0"/>
-              </a:spcBef>
-              <a:spcAft>
-                <a:spcPct val="0"/>
-              </a:spcAft>
-            </a:pPr>
-            <a:r>
-              <a:rPr lang="pt-BR" sz="2800" dirty="0" smtClean="0">
-                <a:solidFill>
-                  <a:schemeClr val="tx1">
-                    <a:lumMod val="65000"/>
-                    <a:lumOff val="35000"/>
-                  </a:schemeClr>
-                </a:solidFill>
-                <a:hlinkClick r:id="rId3"/>
-              </a:rPr>
-              <a:t>https://forum.codeigniter.com/</a:t>
-            </a:r>
-            <a:endParaRPr lang="pt-BR" sz="2800" dirty="0">
-              <a:solidFill>
-                <a:schemeClr val="tx1">
-                  <a:lumMod val="65000"/>
-                  <a:lumOff val="35000"/>
-                </a:schemeClr>
-              </a:solidFill>
-            </a:endParaRPr>
-          </a:p>
-          <a:p>
-            <a:pPr marL="0" marR="0" lvl="0" indent="0" algn="l" defTabSz="914400" rtl="0" eaLnBrk="1" fontAlgn="base" latinLnBrk="0" hangingPunct="1">
-              <a:lnSpc>
-                <a:spcPct val="100000"/>
-              </a:lnSpc>
-              <a:spcBef>
-                <a:spcPct val="0"/>
-              </a:spcBef>
-              <a:spcAft>
-                <a:spcPct val="0"/>
-              </a:spcAft>
-              <a:buClrTx/>
-              <a:buSzTx/>
-              <a:buFontTx/>
-              <a:buNone/>
-              <a:tabLst/>
-            </a:pPr>
-            <a:endParaRPr kumimoji="0" lang="pt-BR" sz="2500" b="0" i="0" u="none" strike="noStrike" cap="none" normalizeH="0" baseline="0" dirty="0" smtClean="0">
-              <a:ln>
-                <a:noFill/>
-              </a:ln>
-              <a:solidFill>
-                <a:schemeClr val="tx1">
-                  <a:lumMod val="65000"/>
-                  <a:lumOff val="35000"/>
-                </a:schemeClr>
-              </a:solidFill>
-              <a:effectLst/>
-              <a:cs typeface="Arial" pitchFamily="34" charset="0"/>
-            </a:endParaRPr>
-          </a:p>
-        </p:txBody>
-      </p:sp>
       <p:pic>
         <p:nvPicPr>
-          <p:cNvPr id="7" name="Imagem 6" descr="documentacao.jpg"/>
+          <p:cNvPr id="5" name="Imagem 4" descr="appflowchart.jpeg"/>
           <p:cNvPicPr>
             <a:picLocks noChangeAspect="1"/>
           </p:cNvPicPr>
           <p:nvPr/>
         </p:nvPicPr>
         <p:blipFill>
-          <a:blip r:embed="rId4"/>
+          <a:blip r:embed="rId3"/>
           <a:stretch>
             <a:fillRect/>
           </a:stretch>
         </p:blipFill>
         <p:spPr>
           <a:xfrm>
-            <a:off x="6948493" y="1531016"/>
-            <a:ext cx="2195507" cy="2195507"/>
+            <a:off x="2403475" y="2643182"/>
+            <a:ext cx="6638925" cy="2714644"/>
           </a:xfrm>
           <a:prstGeom prst="rect">
             <a:avLst/>
           </a:prstGeom>
         </p:spPr>
       </p:pic>
+      <p:sp>
+        <p:nvSpPr>
+          <p:cNvPr id="9" name="Retângulo 8"/>
+          <p:cNvSpPr/>
+          <p:nvPr/>
+        </p:nvSpPr>
+        <p:spPr>
+          <a:xfrm>
+            <a:off x="2609836" y="2693982"/>
+            <a:ext cx="360439" cy="477054"/>
+          </a:xfrm>
+          <a:prstGeom prst="rect">
+            <a:avLst/>
+          </a:prstGeom>
+          <a:noFill/>
+        </p:spPr>
+        <p:txBody>
+          <a:bodyPr wrap="square" lIns="91440" tIns="45720" rIns="91440" bIns="45720">
+            <a:spAutoFit/>
+          </a:bodyPr>
+          <a:lstStyle/>
+          <a:p>
+            <a:pPr algn="ctr"/>
+            <a:r>
+              <a:rPr lang="pt-BR" sz="2500" b="1" cap="none" spc="0" dirty="0" smtClean="0">
+                <a:ln w="1905"/>
+                <a:gradFill>
+                  <a:gsLst>
+                    <a:gs pos="0">
+                      <a:schemeClr val="accent6">
+                        <a:shade val="20000"/>
+                        <a:satMod val="200000"/>
+                      </a:schemeClr>
+                    </a:gs>
+                    <a:gs pos="78000">
+                      <a:schemeClr val="accent6">
+                        <a:tint val="90000"/>
+                        <a:shade val="89000"/>
+                        <a:satMod val="220000"/>
+                      </a:schemeClr>
+                    </a:gs>
+                    <a:gs pos="100000">
+                      <a:schemeClr val="accent6">
+                        <a:tint val="12000"/>
+                        <a:satMod val="255000"/>
+                      </a:schemeClr>
+                    </a:gs>
+                  </a:gsLst>
+                  <a:lin ang="5400000"/>
+                </a:gradFill>
+                <a:effectLst>
+                  <a:innerShdw blurRad="69850" dist="43180" dir="5400000">
+                    <a:srgbClr val="000000">
+                      <a:alpha val="65000"/>
+                    </a:srgbClr>
+                  </a:innerShdw>
+                </a:effectLst>
+              </a:rPr>
+              <a:t>1</a:t>
+            </a:r>
+            <a:endParaRPr lang="pt-BR" sz="2500" b="1" cap="none" spc="0" dirty="0">
+              <a:ln w="1905"/>
+              <a:gradFill>
+                <a:gsLst>
+                  <a:gs pos="0">
+                    <a:schemeClr val="accent6">
+                      <a:shade val="20000"/>
+                      <a:satMod val="200000"/>
+                    </a:schemeClr>
+                  </a:gs>
+                  <a:gs pos="78000">
+                    <a:schemeClr val="accent6">
+                      <a:tint val="90000"/>
+                      <a:shade val="89000"/>
+                      <a:satMod val="220000"/>
+                    </a:schemeClr>
+                  </a:gs>
+                  <a:gs pos="100000">
+                    <a:schemeClr val="accent6">
+                      <a:tint val="12000"/>
+                      <a:satMod val="255000"/>
+                    </a:schemeClr>
+                  </a:gs>
+                </a:gsLst>
+                <a:lin ang="5400000"/>
+              </a:gradFill>
+              <a:effectLst>
+                <a:innerShdw blurRad="69850" dist="43180" dir="5400000">
+                  <a:srgbClr val="000000">
+                    <a:alpha val="65000"/>
+                  </a:srgbClr>
+                </a:innerShdw>
+              </a:effectLst>
+            </a:endParaRPr>
+          </a:p>
+        </p:txBody>
+      </p:sp>
+      <p:sp>
+        <p:nvSpPr>
+          <p:cNvPr id="10" name="Retângulo 9"/>
+          <p:cNvSpPr/>
+          <p:nvPr/>
+        </p:nvSpPr>
+        <p:spPr>
+          <a:xfrm>
+            <a:off x="4214810" y="2847170"/>
+            <a:ext cx="360439" cy="477054"/>
+          </a:xfrm>
+          <a:prstGeom prst="rect">
+            <a:avLst/>
+          </a:prstGeom>
+          <a:noFill/>
+        </p:spPr>
+        <p:txBody>
+          <a:bodyPr wrap="square" lIns="91440" tIns="45720" rIns="91440" bIns="45720">
+            <a:spAutoFit/>
+          </a:bodyPr>
+          <a:lstStyle/>
+          <a:p>
+            <a:pPr algn="ctr"/>
+            <a:r>
+              <a:rPr lang="pt-BR" sz="2500" b="1" cap="none" spc="0" dirty="0" smtClean="0">
+                <a:ln w="1905"/>
+                <a:gradFill>
+                  <a:gsLst>
+                    <a:gs pos="0">
+                      <a:schemeClr val="accent6">
+                        <a:shade val="20000"/>
+                        <a:satMod val="200000"/>
+                      </a:schemeClr>
+                    </a:gs>
+                    <a:gs pos="78000">
+                      <a:schemeClr val="accent6">
+                        <a:tint val="90000"/>
+                        <a:shade val="89000"/>
+                        <a:satMod val="220000"/>
+                      </a:schemeClr>
+                    </a:gs>
+                    <a:gs pos="100000">
+                      <a:schemeClr val="accent6">
+                        <a:tint val="12000"/>
+                        <a:satMod val="255000"/>
+                      </a:schemeClr>
+                    </a:gs>
+                  </a:gsLst>
+                  <a:lin ang="5400000"/>
+                </a:gradFill>
+                <a:effectLst>
+                  <a:innerShdw blurRad="69850" dist="43180" dir="5400000">
+                    <a:srgbClr val="000000">
+                      <a:alpha val="65000"/>
+                    </a:srgbClr>
+                  </a:innerShdw>
+                </a:effectLst>
+              </a:rPr>
+              <a:t>2</a:t>
+            </a:r>
+            <a:endParaRPr lang="pt-BR" sz="2500" b="1" cap="none" spc="0" dirty="0">
+              <a:ln w="1905"/>
+              <a:gradFill>
+                <a:gsLst>
+                  <a:gs pos="0">
+                    <a:schemeClr val="accent6">
+                      <a:shade val="20000"/>
+                      <a:satMod val="200000"/>
+                    </a:schemeClr>
+                  </a:gs>
+                  <a:gs pos="78000">
+                    <a:schemeClr val="accent6">
+                      <a:tint val="90000"/>
+                      <a:shade val="89000"/>
+                      <a:satMod val="220000"/>
+                    </a:schemeClr>
+                  </a:gs>
+                  <a:gs pos="100000">
+                    <a:schemeClr val="accent6">
+                      <a:tint val="12000"/>
+                      <a:satMod val="255000"/>
+                    </a:schemeClr>
+                  </a:gs>
+                </a:gsLst>
+                <a:lin ang="5400000"/>
+              </a:gradFill>
+              <a:effectLst>
+                <a:innerShdw blurRad="69850" dist="43180" dir="5400000">
+                  <a:srgbClr val="000000">
+                    <a:alpha val="65000"/>
+                  </a:srgbClr>
+                </a:innerShdw>
+              </a:effectLst>
+            </a:endParaRPr>
+          </a:p>
+        </p:txBody>
+      </p:sp>
+      <p:sp>
+        <p:nvSpPr>
+          <p:cNvPr id="11" name="Retângulo 10"/>
+          <p:cNvSpPr/>
+          <p:nvPr/>
+        </p:nvSpPr>
+        <p:spPr>
+          <a:xfrm>
+            <a:off x="4352924" y="3803652"/>
+            <a:ext cx="360439" cy="477054"/>
+          </a:xfrm>
+          <a:prstGeom prst="rect">
+            <a:avLst/>
+          </a:prstGeom>
+          <a:noFill/>
+        </p:spPr>
+        <p:txBody>
+          <a:bodyPr wrap="square" lIns="91440" tIns="45720" rIns="91440" bIns="45720">
+            <a:spAutoFit/>
+          </a:bodyPr>
+          <a:lstStyle/>
+          <a:p>
+            <a:pPr algn="ctr"/>
+            <a:r>
+              <a:rPr lang="pt-BR" sz="2500" b="1" cap="none" spc="0" dirty="0" smtClean="0">
+                <a:ln w="1905"/>
+                <a:gradFill>
+                  <a:gsLst>
+                    <a:gs pos="0">
+                      <a:schemeClr val="accent6">
+                        <a:shade val="20000"/>
+                        <a:satMod val="200000"/>
+                      </a:schemeClr>
+                    </a:gs>
+                    <a:gs pos="78000">
+                      <a:schemeClr val="accent6">
+                        <a:tint val="90000"/>
+                        <a:shade val="89000"/>
+                        <a:satMod val="220000"/>
+                      </a:schemeClr>
+                    </a:gs>
+                    <a:gs pos="100000">
+                      <a:schemeClr val="accent6">
+                        <a:tint val="12000"/>
+                        <a:satMod val="255000"/>
+                      </a:schemeClr>
+                    </a:gs>
+                  </a:gsLst>
+                  <a:lin ang="5400000"/>
+                </a:gradFill>
+                <a:effectLst>
+                  <a:innerShdw blurRad="69850" dist="43180" dir="5400000">
+                    <a:srgbClr val="000000">
+                      <a:alpha val="65000"/>
+                    </a:srgbClr>
+                  </a:innerShdw>
+                </a:effectLst>
+              </a:rPr>
+              <a:t>3</a:t>
+            </a:r>
+            <a:endParaRPr lang="pt-BR" sz="2500" b="1" cap="none" spc="0" dirty="0">
+              <a:ln w="1905"/>
+              <a:gradFill>
+                <a:gsLst>
+                  <a:gs pos="0">
+                    <a:schemeClr val="accent6">
+                      <a:shade val="20000"/>
+                      <a:satMod val="200000"/>
+                    </a:schemeClr>
+                  </a:gs>
+                  <a:gs pos="78000">
+                    <a:schemeClr val="accent6">
+                      <a:tint val="90000"/>
+                      <a:shade val="89000"/>
+                      <a:satMod val="220000"/>
+                    </a:schemeClr>
+                  </a:gs>
+                  <a:gs pos="100000">
+                    <a:schemeClr val="accent6">
+                      <a:tint val="12000"/>
+                      <a:satMod val="255000"/>
+                    </a:schemeClr>
+                  </a:gs>
+                </a:gsLst>
+                <a:lin ang="5400000"/>
+              </a:gradFill>
+              <a:effectLst>
+                <a:innerShdw blurRad="69850" dist="43180" dir="5400000">
+                  <a:srgbClr val="000000">
+                    <a:alpha val="65000"/>
+                  </a:srgbClr>
+                </a:innerShdw>
+              </a:effectLst>
+            </a:endParaRPr>
+          </a:p>
+        </p:txBody>
+      </p:sp>
+      <p:sp>
+        <p:nvSpPr>
+          <p:cNvPr id="12" name="Retângulo 11"/>
+          <p:cNvSpPr/>
+          <p:nvPr/>
+        </p:nvSpPr>
+        <p:spPr>
+          <a:xfrm>
+            <a:off x="5643570" y="2857496"/>
+            <a:ext cx="360439" cy="477054"/>
+          </a:xfrm>
+          <a:prstGeom prst="rect">
+            <a:avLst/>
+          </a:prstGeom>
+          <a:noFill/>
+        </p:spPr>
+        <p:txBody>
+          <a:bodyPr wrap="square" lIns="91440" tIns="45720" rIns="91440" bIns="45720">
+            <a:spAutoFit/>
+          </a:bodyPr>
+          <a:lstStyle/>
+          <a:p>
+            <a:pPr algn="ctr"/>
+            <a:r>
+              <a:rPr lang="pt-BR" sz="2500" b="1" cap="none" spc="0" dirty="0" smtClean="0">
+                <a:ln w="1905"/>
+                <a:gradFill>
+                  <a:gsLst>
+                    <a:gs pos="0">
+                      <a:schemeClr val="accent6">
+                        <a:shade val="20000"/>
+                        <a:satMod val="200000"/>
+                      </a:schemeClr>
+                    </a:gs>
+                    <a:gs pos="78000">
+                      <a:schemeClr val="accent6">
+                        <a:tint val="90000"/>
+                        <a:shade val="89000"/>
+                        <a:satMod val="220000"/>
+                      </a:schemeClr>
+                    </a:gs>
+                    <a:gs pos="100000">
+                      <a:schemeClr val="accent6">
+                        <a:tint val="12000"/>
+                        <a:satMod val="255000"/>
+                      </a:schemeClr>
+                    </a:gs>
+                  </a:gsLst>
+                  <a:lin ang="5400000"/>
+                </a:gradFill>
+                <a:effectLst>
+                  <a:innerShdw blurRad="69850" dist="43180" dir="5400000">
+                    <a:srgbClr val="000000">
+                      <a:alpha val="65000"/>
+                    </a:srgbClr>
+                  </a:innerShdw>
+                </a:effectLst>
+              </a:rPr>
+              <a:t>4</a:t>
+            </a:r>
+            <a:endParaRPr lang="pt-BR" sz="2500" b="1" cap="none" spc="0" dirty="0">
+              <a:ln w="1905"/>
+              <a:gradFill>
+                <a:gsLst>
+                  <a:gs pos="0">
+                    <a:schemeClr val="accent6">
+                      <a:shade val="20000"/>
+                      <a:satMod val="200000"/>
+                    </a:schemeClr>
+                  </a:gs>
+                  <a:gs pos="78000">
+                    <a:schemeClr val="accent6">
+                      <a:tint val="90000"/>
+                      <a:shade val="89000"/>
+                      <a:satMod val="220000"/>
+                    </a:schemeClr>
+                  </a:gs>
+                  <a:gs pos="100000">
+                    <a:schemeClr val="accent6">
+                      <a:tint val="12000"/>
+                      <a:satMod val="255000"/>
+                    </a:schemeClr>
+                  </a:gs>
+                </a:gsLst>
+                <a:lin ang="5400000"/>
+              </a:gradFill>
+              <a:effectLst>
+                <a:innerShdw blurRad="69850" dist="43180" dir="5400000">
+                  <a:srgbClr val="000000">
+                    <a:alpha val="65000"/>
+                  </a:srgbClr>
+                </a:innerShdw>
+              </a:effectLst>
+            </a:endParaRPr>
+          </a:p>
+        </p:txBody>
+      </p:sp>
+      <p:sp>
+        <p:nvSpPr>
+          <p:cNvPr id="13" name="Retângulo 12"/>
+          <p:cNvSpPr/>
+          <p:nvPr/>
+        </p:nvSpPr>
+        <p:spPr>
+          <a:xfrm>
+            <a:off x="7072330" y="2285992"/>
+            <a:ext cx="360439" cy="477054"/>
+          </a:xfrm>
+          <a:prstGeom prst="rect">
+            <a:avLst/>
+          </a:prstGeom>
+          <a:noFill/>
+        </p:spPr>
+        <p:txBody>
+          <a:bodyPr wrap="square" lIns="91440" tIns="45720" rIns="91440" bIns="45720">
+            <a:spAutoFit/>
+          </a:bodyPr>
+          <a:lstStyle/>
+          <a:p>
+            <a:pPr algn="ctr"/>
+            <a:r>
+              <a:rPr lang="pt-BR" sz="2500" b="1" cap="none" spc="0" dirty="0" smtClean="0">
+                <a:ln w="1905"/>
+                <a:gradFill>
+                  <a:gsLst>
+                    <a:gs pos="0">
+                      <a:schemeClr val="accent6">
+                        <a:shade val="20000"/>
+                        <a:satMod val="200000"/>
+                      </a:schemeClr>
+                    </a:gs>
+                    <a:gs pos="78000">
+                      <a:schemeClr val="accent6">
+                        <a:tint val="90000"/>
+                        <a:shade val="89000"/>
+                        <a:satMod val="220000"/>
+                      </a:schemeClr>
+                    </a:gs>
+                    <a:gs pos="100000">
+                      <a:schemeClr val="accent6">
+                        <a:tint val="12000"/>
+                        <a:satMod val="255000"/>
+                      </a:schemeClr>
+                    </a:gs>
+                  </a:gsLst>
+                  <a:lin ang="5400000"/>
+                </a:gradFill>
+                <a:effectLst>
+                  <a:innerShdw blurRad="69850" dist="43180" dir="5400000">
+                    <a:srgbClr val="000000">
+                      <a:alpha val="65000"/>
+                    </a:srgbClr>
+                  </a:innerShdw>
+                </a:effectLst>
+              </a:rPr>
+              <a:t>5</a:t>
+            </a:r>
+            <a:endParaRPr lang="pt-BR" sz="2500" b="1" cap="none" spc="0" dirty="0">
+              <a:ln w="1905"/>
+              <a:gradFill>
+                <a:gsLst>
+                  <a:gs pos="0">
+                    <a:schemeClr val="accent6">
+                      <a:shade val="20000"/>
+                      <a:satMod val="200000"/>
+                    </a:schemeClr>
+                  </a:gs>
+                  <a:gs pos="78000">
+                    <a:schemeClr val="accent6">
+                      <a:tint val="90000"/>
+                      <a:shade val="89000"/>
+                      <a:satMod val="220000"/>
+                    </a:schemeClr>
+                  </a:gs>
+                  <a:gs pos="100000">
+                    <a:schemeClr val="accent6">
+                      <a:tint val="12000"/>
+                      <a:satMod val="255000"/>
+                    </a:schemeClr>
+                  </a:gs>
+                </a:gsLst>
+                <a:lin ang="5400000"/>
+              </a:gradFill>
+              <a:effectLst>
+                <a:innerShdw blurRad="69850" dist="43180" dir="5400000">
+                  <a:srgbClr val="000000">
+                    <a:alpha val="65000"/>
+                  </a:srgbClr>
+                </a:innerShdw>
+              </a:effectLst>
+            </a:endParaRPr>
+          </a:p>
+        </p:txBody>
+      </p:sp>
+      <p:sp>
+        <p:nvSpPr>
+          <p:cNvPr id="14" name="Retângulo 13"/>
+          <p:cNvSpPr/>
+          <p:nvPr/>
+        </p:nvSpPr>
+        <p:spPr>
+          <a:xfrm>
+            <a:off x="5643570" y="4786322"/>
+            <a:ext cx="360439" cy="477054"/>
+          </a:xfrm>
+          <a:prstGeom prst="rect">
+            <a:avLst/>
+          </a:prstGeom>
+          <a:noFill/>
+        </p:spPr>
+        <p:txBody>
+          <a:bodyPr wrap="square" lIns="91440" tIns="45720" rIns="91440" bIns="45720">
+            <a:spAutoFit/>
+          </a:bodyPr>
+          <a:lstStyle/>
+          <a:p>
+            <a:pPr algn="ctr"/>
+            <a:r>
+              <a:rPr lang="pt-BR" sz="2500" b="1" cap="none" spc="0" dirty="0" smtClean="0">
+                <a:ln w="1905"/>
+                <a:gradFill>
+                  <a:gsLst>
+                    <a:gs pos="0">
+                      <a:schemeClr val="accent6">
+                        <a:shade val="20000"/>
+                        <a:satMod val="200000"/>
+                      </a:schemeClr>
+                    </a:gs>
+                    <a:gs pos="78000">
+                      <a:schemeClr val="accent6">
+                        <a:tint val="90000"/>
+                        <a:shade val="89000"/>
+                        <a:satMod val="220000"/>
+                      </a:schemeClr>
+                    </a:gs>
+                    <a:gs pos="100000">
+                      <a:schemeClr val="accent6">
+                        <a:tint val="12000"/>
+                        <a:satMod val="255000"/>
+                      </a:schemeClr>
+                    </a:gs>
+                  </a:gsLst>
+                  <a:lin ang="5400000"/>
+                </a:gradFill>
+                <a:effectLst>
+                  <a:innerShdw blurRad="69850" dist="43180" dir="5400000">
+                    <a:srgbClr val="000000">
+                      <a:alpha val="65000"/>
+                    </a:srgbClr>
+                  </a:innerShdw>
+                </a:effectLst>
+              </a:rPr>
+              <a:t>6</a:t>
+            </a:r>
+            <a:endParaRPr lang="pt-BR" sz="2500" b="1" cap="none" spc="0" dirty="0">
+              <a:ln w="1905"/>
+              <a:gradFill>
+                <a:gsLst>
+                  <a:gs pos="0">
+                    <a:schemeClr val="accent6">
+                      <a:shade val="20000"/>
+                      <a:satMod val="200000"/>
+                    </a:schemeClr>
+                  </a:gs>
+                  <a:gs pos="78000">
+                    <a:schemeClr val="accent6">
+                      <a:tint val="90000"/>
+                      <a:shade val="89000"/>
+                      <a:satMod val="220000"/>
+                    </a:schemeClr>
+                  </a:gs>
+                  <a:gs pos="100000">
+                    <a:schemeClr val="accent6">
+                      <a:tint val="12000"/>
+                      <a:satMod val="255000"/>
+                    </a:schemeClr>
+                  </a:gs>
+                </a:gsLst>
+                <a:lin ang="5400000"/>
+              </a:gradFill>
+              <a:effectLst>
+                <a:innerShdw blurRad="69850" dist="43180" dir="5400000">
+                  <a:srgbClr val="000000">
+                    <a:alpha val="65000"/>
+                  </a:srgbClr>
+                </a:innerShdw>
+              </a:effectLst>
+            </a:endParaRPr>
+          </a:p>
+        </p:txBody>
+      </p:sp>
+      <p:sp>
+        <p:nvSpPr>
+          <p:cNvPr id="15" name="Retângulo 14"/>
+          <p:cNvSpPr/>
+          <p:nvPr/>
+        </p:nvSpPr>
+        <p:spPr>
+          <a:xfrm>
+            <a:off x="4214810" y="4786322"/>
+            <a:ext cx="360439" cy="477054"/>
+          </a:xfrm>
+          <a:prstGeom prst="rect">
+            <a:avLst/>
+          </a:prstGeom>
+          <a:noFill/>
+        </p:spPr>
+        <p:txBody>
+          <a:bodyPr wrap="square" lIns="91440" tIns="45720" rIns="91440" bIns="45720">
+            <a:spAutoFit/>
+          </a:bodyPr>
+          <a:lstStyle/>
+          <a:p>
+            <a:pPr algn="ctr"/>
+            <a:r>
+              <a:rPr lang="pt-BR" sz="2500" b="1" cap="none" spc="0" dirty="0" smtClean="0">
+                <a:ln w="1905"/>
+                <a:gradFill>
+                  <a:gsLst>
+                    <a:gs pos="0">
+                      <a:schemeClr val="accent6">
+                        <a:shade val="20000"/>
+                        <a:satMod val="200000"/>
+                      </a:schemeClr>
+                    </a:gs>
+                    <a:gs pos="78000">
+                      <a:schemeClr val="accent6">
+                        <a:tint val="90000"/>
+                        <a:shade val="89000"/>
+                        <a:satMod val="220000"/>
+                      </a:schemeClr>
+                    </a:gs>
+                    <a:gs pos="100000">
+                      <a:schemeClr val="accent6">
+                        <a:tint val="12000"/>
+                        <a:satMod val="255000"/>
+                      </a:schemeClr>
+                    </a:gs>
+                  </a:gsLst>
+                  <a:lin ang="5400000"/>
+                </a:gradFill>
+                <a:effectLst>
+                  <a:innerShdw blurRad="69850" dist="43180" dir="5400000">
+                    <a:srgbClr val="000000">
+                      <a:alpha val="65000"/>
+                    </a:srgbClr>
+                  </a:innerShdw>
+                </a:effectLst>
+              </a:rPr>
+              <a:t>7</a:t>
+            </a:r>
+            <a:endParaRPr lang="pt-BR" sz="2500" b="1" cap="none" spc="0" dirty="0">
+              <a:ln w="1905"/>
+              <a:gradFill>
+                <a:gsLst>
+                  <a:gs pos="0">
+                    <a:schemeClr val="accent6">
+                      <a:shade val="20000"/>
+                      <a:satMod val="200000"/>
+                    </a:schemeClr>
+                  </a:gs>
+                  <a:gs pos="78000">
+                    <a:schemeClr val="accent6">
+                      <a:tint val="90000"/>
+                      <a:shade val="89000"/>
+                      <a:satMod val="220000"/>
+                    </a:schemeClr>
+                  </a:gs>
+                  <a:gs pos="100000">
+                    <a:schemeClr val="accent6">
+                      <a:tint val="12000"/>
+                      <a:satMod val="255000"/>
+                    </a:schemeClr>
+                  </a:gs>
+                </a:gsLst>
+                <a:lin ang="5400000"/>
+              </a:gradFill>
+              <a:effectLst>
+                <a:innerShdw blurRad="69850" dist="43180" dir="5400000">
+                  <a:srgbClr val="000000">
+                    <a:alpha val="65000"/>
+                  </a:srgbClr>
+                </a:innerShdw>
+              </a:effectLst>
+            </a:endParaRPr>
+          </a:p>
+        </p:txBody>
+      </p:sp>
     </p:spTree>
   </p:cSld>
   <p:clrMapOvr>
     <a:masterClrMapping/>
   </p:clrMapOvr>
+  <p:timing>
+    <p:tnLst>
+      <p:par>
+        <p:cTn id="1" dur="indefinite" restart="never" nodeType="tmRoot"/>
+      </p:par>
+    </p:tnLst>
+  </p:timing>
 </p:sld>
 </file>
 
@@ -5319,67 +5372,9 @@
           </a:p>
         </p:txBody>
       </p:sp>
-      <p:sp>
-        <p:nvSpPr>
-          <p:cNvPr id="4" name="Retângulo 3"/>
-          <p:cNvSpPr/>
-          <p:nvPr/>
-        </p:nvSpPr>
-        <p:spPr>
-          <a:xfrm>
-            <a:off x="214282" y="1820938"/>
-            <a:ext cx="2033618" cy="2031325"/>
-          </a:xfrm>
-          <a:prstGeom prst="rect">
-            <a:avLst/>
-          </a:prstGeom>
-        </p:spPr>
-        <p:txBody>
-          <a:bodyPr wrap="square">
-            <a:spAutoFit/>
-          </a:bodyPr>
-          <a:lstStyle/>
-          <a:p>
-            <a:endParaRPr lang="en-US" b="1" dirty="0">
-              <a:solidFill>
-                <a:schemeClr val="bg2"/>
-              </a:solidFill>
-            </a:endParaRPr>
-          </a:p>
-          <a:p>
-            <a:pPr algn="ctr"/>
-            <a:r>
-              <a:rPr lang="en-US" sz="3000" b="1" dirty="0" smtClean="0">
-                <a:solidFill>
-                  <a:schemeClr val="bg2"/>
-                </a:solidFill>
-                <a:latin typeface="+mj-lt"/>
-                <a:ea typeface="Microsoft JhengHei" pitchFamily="34" charset="-120"/>
-                <a:cs typeface="Aharoni" pitchFamily="2" charset="-79"/>
-              </a:rPr>
-              <a:t>Fluxograma de Aplicação</a:t>
-            </a:r>
-            <a:endParaRPr lang="en-US" sz="3000" b="1" dirty="0" smtClean="0">
-              <a:solidFill>
-                <a:schemeClr val="bg2"/>
-              </a:solidFill>
-              <a:latin typeface="+mj-lt"/>
-              <a:ea typeface="Microsoft JhengHei" pitchFamily="34" charset="-120"/>
-              <a:cs typeface="Aharoni" pitchFamily="2" charset="-79"/>
-            </a:endParaRPr>
-          </a:p>
-          <a:p>
-            <a:endParaRPr lang="en-US" b="1" dirty="0">
-              <a:solidFill>
-                <a:schemeClr val="bg2"/>
-              </a:solidFill>
-            </a:endParaRPr>
-          </a:p>
-        </p:txBody>
-      </p:sp>
       <p:pic>
         <p:nvPicPr>
-          <p:cNvPr id="5" name="Imagem 4" descr="appflowchart.jpeg"/>
+          <p:cNvPr id="4" name="Imagem 3" descr="templateengine.jpg"/>
           <p:cNvPicPr>
             <a:picLocks noChangeAspect="1"/>
           </p:cNvPicPr>
@@ -5393,690 +5388,207 @@
         </p:blipFill>
         <p:spPr>
           <a:xfrm>
-            <a:off x="2403475" y="2643182"/>
-            <a:ext cx="6638925" cy="2714644"/>
+            <a:off x="2514631" y="4357694"/>
+            <a:ext cx="6486525" cy="2000264"/>
           </a:xfrm>
           <a:prstGeom prst="rect">
             <a:avLst/>
           </a:prstGeom>
         </p:spPr>
       </p:pic>
-      <p:sp>
-        <p:nvSpPr>
-          <p:cNvPr id="9" name="Retângulo 8"/>
-          <p:cNvSpPr/>
+      <p:pic>
+        <p:nvPicPr>
+          <p:cNvPr id="5" name="Imagem 4" descr="templatephp.jpg"/>
+          <p:cNvPicPr>
+            <a:picLocks noChangeAspect="1"/>
+          </p:cNvPicPr>
           <p:nvPr/>
-        </p:nvSpPr>
+        </p:nvPicPr>
+        <p:blipFill>
+          <a:blip r:embed="rId4"/>
+          <a:stretch>
+            <a:fillRect/>
+          </a:stretch>
+        </p:blipFill>
         <p:spPr>
           <a:xfrm>
-            <a:off x="2609836" y="2693982"/>
-            <a:ext cx="360439" cy="477054"/>
+            <a:off x="2495581" y="2000240"/>
+            <a:ext cx="6505575" cy="1928826"/>
           </a:xfrm>
           <a:prstGeom prst="rect">
             <a:avLst/>
           </a:prstGeom>
-          <a:noFill/>
-        </p:spPr>
-        <p:txBody>
-          <a:bodyPr wrap="square" lIns="91440" tIns="45720" rIns="91440" bIns="45720">
-            <a:spAutoFit/>
-          </a:bodyPr>
-          <a:lstStyle/>
-          <a:p>
-            <a:pPr algn="ctr"/>
-            <a:r>
-              <a:rPr lang="pt-BR" sz="2500" b="1" cap="none" spc="0" dirty="0" smtClean="0">
-                <a:ln w="1905"/>
-                <a:gradFill>
-                  <a:gsLst>
-                    <a:gs pos="0">
-                      <a:schemeClr val="accent6">
-                        <a:shade val="20000"/>
-                        <a:satMod val="200000"/>
-                      </a:schemeClr>
-                    </a:gs>
-                    <a:gs pos="78000">
-                      <a:schemeClr val="accent6">
-                        <a:tint val="90000"/>
-                        <a:shade val="89000"/>
-                        <a:satMod val="220000"/>
-                      </a:schemeClr>
-                    </a:gs>
-                    <a:gs pos="100000">
-                      <a:schemeClr val="accent6">
-                        <a:tint val="12000"/>
-                        <a:satMod val="255000"/>
-                      </a:schemeClr>
-                    </a:gs>
-                  </a:gsLst>
-                  <a:lin ang="5400000"/>
-                </a:gradFill>
-                <a:effectLst>
-                  <a:innerShdw blurRad="69850" dist="43180" dir="5400000">
-                    <a:srgbClr val="000000">
-                      <a:alpha val="65000"/>
-                    </a:srgbClr>
-                  </a:innerShdw>
-                </a:effectLst>
-              </a:rPr>
-              <a:t>1</a:t>
-            </a:r>
-            <a:endParaRPr lang="pt-BR" sz="2500" b="1" cap="none" spc="0" dirty="0">
-              <a:ln w="1905"/>
-              <a:gradFill>
-                <a:gsLst>
-                  <a:gs pos="0">
-                    <a:schemeClr val="accent6">
-                      <a:shade val="20000"/>
-                      <a:satMod val="200000"/>
-                    </a:schemeClr>
-                  </a:gs>
-                  <a:gs pos="78000">
-                    <a:schemeClr val="accent6">
-                      <a:tint val="90000"/>
-                      <a:shade val="89000"/>
-                      <a:satMod val="220000"/>
-                    </a:schemeClr>
-                  </a:gs>
-                  <a:gs pos="100000">
-                    <a:schemeClr val="accent6">
-                      <a:tint val="12000"/>
-                      <a:satMod val="255000"/>
-                    </a:schemeClr>
-                  </a:gs>
-                </a:gsLst>
-                <a:lin ang="5400000"/>
-              </a:gradFill>
-              <a:effectLst>
-                <a:innerShdw blurRad="69850" dist="43180" dir="5400000">
-                  <a:srgbClr val="000000">
-                    <a:alpha val="65000"/>
-                  </a:srgbClr>
-                </a:innerShdw>
-              </a:effectLst>
-            </a:endParaRPr>
-          </a:p>
-        </p:txBody>
-      </p:sp>
-      <p:sp>
-        <p:nvSpPr>
-          <p:cNvPr id="10" name="Retângulo 9"/>
+        </p:spPr>
+      </p:pic>
+      <p:sp>
+        <p:nvSpPr>
+          <p:cNvPr id="6" name="Retângulo 5"/>
           <p:cNvSpPr/>
           <p:nvPr/>
         </p:nvSpPr>
         <p:spPr>
           <a:xfrm>
-            <a:off x="4214810" y="2847170"/>
-            <a:ext cx="360439" cy="477054"/>
+            <a:off x="214282" y="1820938"/>
+            <a:ext cx="2000264" cy="1569660"/>
           </a:xfrm>
           <a:prstGeom prst="rect">
             <a:avLst/>
           </a:prstGeom>
-          <a:noFill/>
-        </p:spPr>
-        <p:txBody>
-          <a:bodyPr wrap="square" lIns="91440" tIns="45720" rIns="91440" bIns="45720">
+        </p:spPr>
+        <p:txBody>
+          <a:bodyPr wrap="square">
             <a:spAutoFit/>
           </a:bodyPr>
           <a:lstStyle/>
           <a:p>
+            <a:endParaRPr lang="en-US" b="1" dirty="0">
+              <a:solidFill>
+                <a:schemeClr val="bg2"/>
+              </a:solidFill>
+            </a:endParaRPr>
+          </a:p>
+          <a:p>
             <a:pPr algn="ctr"/>
             <a:r>
-              <a:rPr lang="pt-BR" sz="2500" b="1" cap="none" spc="0" dirty="0" smtClean="0">
-                <a:ln w="1905"/>
-                <a:gradFill>
-                  <a:gsLst>
-                    <a:gs pos="0">
-                      <a:schemeClr val="accent6">
-                        <a:shade val="20000"/>
-                        <a:satMod val="200000"/>
-                      </a:schemeClr>
-                    </a:gs>
-                    <a:gs pos="78000">
-                      <a:schemeClr val="accent6">
-                        <a:tint val="90000"/>
-                        <a:shade val="89000"/>
-                        <a:satMod val="220000"/>
-                      </a:schemeClr>
-                    </a:gs>
-                    <a:gs pos="100000">
-                      <a:schemeClr val="accent6">
-                        <a:tint val="12000"/>
-                        <a:satMod val="255000"/>
-                      </a:schemeClr>
-                    </a:gs>
-                  </a:gsLst>
-                  <a:lin ang="5400000"/>
-                </a:gradFill>
-                <a:effectLst>
-                  <a:innerShdw blurRad="69850" dist="43180" dir="5400000">
-                    <a:srgbClr val="000000">
-                      <a:alpha val="65000"/>
-                    </a:srgbClr>
-                  </a:innerShdw>
-                </a:effectLst>
+              <a:rPr lang="en-US" sz="3000" b="1" dirty="0" smtClean="0">
+                <a:solidFill>
+                  <a:schemeClr val="bg2"/>
+                </a:solidFill>
+                <a:latin typeface="+mj-lt"/>
+                <a:ea typeface="Microsoft JhengHei" pitchFamily="34" charset="-120"/>
+                <a:cs typeface="Aharoni" pitchFamily="2" charset="-79"/>
               </a:rPr>
-              <a:t>2</a:t>
-            </a:r>
-            <a:endParaRPr lang="pt-BR" sz="2500" b="1" cap="none" spc="0" dirty="0">
-              <a:ln w="1905"/>
-              <a:gradFill>
-                <a:gsLst>
-                  <a:gs pos="0">
-                    <a:schemeClr val="accent6">
-                      <a:shade val="20000"/>
-                      <a:satMod val="200000"/>
-                    </a:schemeClr>
-                  </a:gs>
-                  <a:gs pos="78000">
-                    <a:schemeClr val="accent6">
-                      <a:tint val="90000"/>
-                      <a:shade val="89000"/>
-                      <a:satMod val="220000"/>
-                    </a:schemeClr>
-                  </a:gs>
-                  <a:gs pos="100000">
-                    <a:schemeClr val="accent6">
-                      <a:tint val="12000"/>
-                      <a:satMod val="255000"/>
-                    </a:schemeClr>
-                  </a:gs>
-                </a:gsLst>
-                <a:lin ang="5400000"/>
-              </a:gradFill>
-              <a:effectLst>
-                <a:innerShdw blurRad="69850" dist="43180" dir="5400000">
-                  <a:srgbClr val="000000">
-                    <a:alpha val="65000"/>
-                  </a:srgbClr>
-                </a:innerShdw>
-              </a:effectLst>
+              <a:t>Template Engine</a:t>
+            </a:r>
+          </a:p>
+          <a:p>
+            <a:endParaRPr lang="en-US" b="1" dirty="0">
+              <a:solidFill>
+                <a:schemeClr val="bg2"/>
+              </a:solidFill>
             </a:endParaRPr>
           </a:p>
         </p:txBody>
       </p:sp>
       <p:sp>
         <p:nvSpPr>
-          <p:cNvPr id="11" name="Retângulo 10"/>
+          <p:cNvPr id="7" name="Retângulo 6"/>
           <p:cNvSpPr/>
           <p:nvPr/>
         </p:nvSpPr>
         <p:spPr>
           <a:xfrm>
-            <a:off x="4352924" y="3803652"/>
-            <a:ext cx="360439" cy="477054"/>
+            <a:off x="2571736" y="1643050"/>
+            <a:ext cx="714380" cy="377026"/>
           </a:xfrm>
           <a:prstGeom prst="rect">
             <a:avLst/>
           </a:prstGeom>
-          <a:noFill/>
-        </p:spPr>
-        <p:txBody>
-          <a:bodyPr wrap="square" lIns="91440" tIns="45720" rIns="91440" bIns="45720">
+        </p:spPr>
+        <p:txBody>
+          <a:bodyPr wrap="square">
             <a:spAutoFit/>
           </a:bodyPr>
           <a:lstStyle/>
           <a:p>
-            <a:pPr algn="ctr"/>
-            <a:r>
-              <a:rPr lang="pt-BR" sz="2500" b="1" cap="none" spc="0" dirty="0" smtClean="0">
-                <a:ln w="1905"/>
-                <a:gradFill>
-                  <a:gsLst>
-                    <a:gs pos="0">
-                      <a:schemeClr val="accent6">
-                        <a:shade val="20000"/>
-                        <a:satMod val="200000"/>
-                      </a:schemeClr>
-                    </a:gs>
-                    <a:gs pos="78000">
-                      <a:schemeClr val="accent6">
-                        <a:tint val="90000"/>
-                        <a:shade val="89000"/>
-                        <a:satMod val="220000"/>
-                      </a:schemeClr>
-                    </a:gs>
-                    <a:gs pos="100000">
-                      <a:schemeClr val="accent6">
-                        <a:tint val="12000"/>
-                        <a:satMod val="255000"/>
-                      </a:schemeClr>
-                    </a:gs>
-                  </a:gsLst>
-                  <a:lin ang="5400000"/>
-                </a:gradFill>
-                <a:effectLst>
-                  <a:innerShdw blurRad="69850" dist="43180" dir="5400000">
-                    <a:srgbClr val="000000">
-                      <a:alpha val="65000"/>
-                    </a:srgbClr>
-                  </a:innerShdw>
-                </a:effectLst>
+            <a:r>
+              <a:rPr lang="pt-BR" sz="1850" dirty="0" smtClean="0">
+                <a:solidFill>
+                  <a:schemeClr val="tx1">
+                    <a:lumMod val="65000"/>
+                    <a:lumOff val="35000"/>
+                  </a:schemeClr>
+                </a:solidFill>
               </a:rPr>
-              <a:t>3</a:t>
-            </a:r>
-            <a:endParaRPr lang="pt-BR" sz="2500" b="1" cap="none" spc="0" dirty="0">
-              <a:ln w="1905"/>
-              <a:gradFill>
-                <a:gsLst>
-                  <a:gs pos="0">
-                    <a:schemeClr val="accent6">
-                      <a:shade val="20000"/>
-                      <a:satMod val="200000"/>
-                    </a:schemeClr>
-                  </a:gs>
-                  <a:gs pos="78000">
-                    <a:schemeClr val="accent6">
-                      <a:tint val="90000"/>
-                      <a:shade val="89000"/>
-                      <a:satMod val="220000"/>
-                    </a:schemeClr>
-                  </a:gs>
-                  <a:gs pos="100000">
-                    <a:schemeClr val="accent6">
-                      <a:tint val="12000"/>
-                      <a:satMod val="255000"/>
-                    </a:schemeClr>
-                  </a:gs>
-                </a:gsLst>
-                <a:lin ang="5400000"/>
-              </a:gradFill>
-              <a:effectLst>
-                <a:innerShdw blurRad="69850" dist="43180" dir="5400000">
-                  <a:srgbClr val="000000">
-                    <a:alpha val="65000"/>
-                  </a:srgbClr>
-                </a:innerShdw>
-              </a:effectLst>
+              <a:t>php</a:t>
+            </a:r>
+            <a:endParaRPr lang="pt-BR" sz="1850" dirty="0">
+              <a:solidFill>
+                <a:schemeClr val="tx1">
+                  <a:lumMod val="65000"/>
+                  <a:lumOff val="35000"/>
+                </a:schemeClr>
+              </a:solidFill>
             </a:endParaRPr>
           </a:p>
         </p:txBody>
       </p:sp>
       <p:sp>
         <p:nvSpPr>
-          <p:cNvPr id="12" name="Retângulo 11"/>
+          <p:cNvPr id="8" name="Retângulo 7"/>
           <p:cNvSpPr/>
           <p:nvPr/>
         </p:nvSpPr>
         <p:spPr>
           <a:xfrm>
-            <a:off x="5643570" y="2857496"/>
-            <a:ext cx="360439" cy="477054"/>
+            <a:off x="2428860" y="3929066"/>
+            <a:ext cx="6643702" cy="377026"/>
           </a:xfrm>
           <a:prstGeom prst="rect">
             <a:avLst/>
           </a:prstGeom>
-          <a:noFill/>
-        </p:spPr>
-        <p:txBody>
-          <a:bodyPr wrap="square" lIns="91440" tIns="45720" rIns="91440" bIns="45720">
+        </p:spPr>
+        <p:txBody>
+          <a:bodyPr wrap="square">
             <a:spAutoFit/>
           </a:bodyPr>
           <a:lstStyle/>
           <a:p>
-            <a:pPr algn="ctr"/>
-            <a:r>
-              <a:rPr lang="pt-BR" sz="2500" b="1" cap="none" spc="0" dirty="0" smtClean="0">
-                <a:ln w="1905"/>
-                <a:gradFill>
-                  <a:gsLst>
-                    <a:gs pos="0">
-                      <a:schemeClr val="accent6">
-                        <a:shade val="20000"/>
-                        <a:satMod val="200000"/>
-                      </a:schemeClr>
-                    </a:gs>
-                    <a:gs pos="78000">
-                      <a:schemeClr val="accent6">
-                        <a:tint val="90000"/>
-                        <a:shade val="89000"/>
-                        <a:satMod val="220000"/>
-                      </a:schemeClr>
-                    </a:gs>
-                    <a:gs pos="100000">
-                      <a:schemeClr val="accent6">
-                        <a:tint val="12000"/>
-                        <a:satMod val="255000"/>
-                      </a:schemeClr>
-                    </a:gs>
-                  </a:gsLst>
-                  <a:lin ang="5400000"/>
-                </a:gradFill>
-                <a:effectLst>
-                  <a:innerShdw blurRad="69850" dist="43180" dir="5400000">
-                    <a:srgbClr val="000000">
-                      <a:alpha val="65000"/>
-                    </a:srgbClr>
-                  </a:innerShdw>
-                </a:effectLst>
+            <a:r>
+              <a:rPr lang="pt-BR" sz="1850" dirty="0">
+                <a:solidFill>
+                  <a:schemeClr val="tx1">
+                    <a:lumMod val="65000"/>
+                    <a:lumOff val="35000"/>
+                  </a:schemeClr>
+                </a:solidFill>
               </a:rPr>
-              <a:t>4</a:t>
-            </a:r>
-            <a:endParaRPr lang="pt-BR" sz="2500" b="1" cap="none" spc="0" dirty="0">
-              <a:ln w="1905"/>
-              <a:gradFill>
-                <a:gsLst>
-                  <a:gs pos="0">
-                    <a:schemeClr val="accent6">
-                      <a:shade val="20000"/>
-                      <a:satMod val="200000"/>
-                    </a:schemeClr>
-                  </a:gs>
-                  <a:gs pos="78000">
-                    <a:schemeClr val="accent6">
-                      <a:tint val="90000"/>
-                      <a:shade val="89000"/>
-                      <a:satMod val="220000"/>
-                    </a:schemeClr>
-                  </a:gs>
-                  <a:gs pos="100000">
-                    <a:schemeClr val="accent6">
-                      <a:tint val="12000"/>
-                      <a:satMod val="255000"/>
-                    </a:schemeClr>
-                  </a:gs>
-                </a:gsLst>
-                <a:lin ang="5400000"/>
-              </a:gradFill>
-              <a:effectLst>
-                <a:innerShdw blurRad="69850" dist="43180" dir="5400000">
-                  <a:srgbClr val="000000">
-                    <a:alpha val="65000"/>
-                  </a:srgbClr>
-                </a:innerShdw>
-              </a:effectLst>
-            </a:endParaRPr>
-          </a:p>
-        </p:txBody>
-      </p:sp>
-      <p:sp>
-        <p:nvSpPr>
-          <p:cNvPr id="13" name="Retângulo 12"/>
-          <p:cNvSpPr/>
-          <p:nvPr/>
-        </p:nvSpPr>
-        <p:spPr>
-          <a:xfrm>
-            <a:off x="7072330" y="2285992"/>
-            <a:ext cx="360439" cy="477054"/>
-          </a:xfrm>
-          <a:prstGeom prst="rect">
-            <a:avLst/>
-          </a:prstGeom>
-          <a:noFill/>
-        </p:spPr>
-        <p:txBody>
-          <a:bodyPr wrap="square" lIns="91440" tIns="45720" rIns="91440" bIns="45720">
-            <a:spAutoFit/>
-          </a:bodyPr>
-          <a:lstStyle/>
-          <a:p>
-            <a:pPr algn="ctr"/>
-            <a:r>
-              <a:rPr lang="pt-BR" sz="2500" b="1" cap="none" spc="0" dirty="0" smtClean="0">
-                <a:ln w="1905"/>
-                <a:gradFill>
-                  <a:gsLst>
-                    <a:gs pos="0">
-                      <a:schemeClr val="accent6">
-                        <a:shade val="20000"/>
-                        <a:satMod val="200000"/>
-                      </a:schemeClr>
-                    </a:gs>
-                    <a:gs pos="78000">
-                      <a:schemeClr val="accent6">
-                        <a:tint val="90000"/>
-                        <a:shade val="89000"/>
-                        <a:satMod val="220000"/>
-                      </a:schemeClr>
-                    </a:gs>
-                    <a:gs pos="100000">
-                      <a:schemeClr val="accent6">
-                        <a:tint val="12000"/>
-                        <a:satMod val="255000"/>
-                      </a:schemeClr>
-                    </a:gs>
-                  </a:gsLst>
-                  <a:lin ang="5400000"/>
-                </a:gradFill>
-                <a:effectLst>
-                  <a:innerShdw blurRad="69850" dist="43180" dir="5400000">
-                    <a:srgbClr val="000000">
-                      <a:alpha val="65000"/>
-                    </a:srgbClr>
-                  </a:innerShdw>
-                </a:effectLst>
+              <a:t>Compare isso com o pseudo-código usado por um </a:t>
+            </a:r>
+            <a:r>
+              <a:rPr lang="pt-BR" sz="1850" dirty="0" err="1">
+                <a:solidFill>
+                  <a:schemeClr val="tx1">
+                    <a:lumMod val="65000"/>
+                    <a:lumOff val="35000"/>
+                  </a:schemeClr>
+                </a:solidFill>
               </a:rPr>
-              <a:t>5</a:t>
-            </a:r>
-            <a:endParaRPr lang="pt-BR" sz="2500" b="1" cap="none" spc="0" dirty="0">
-              <a:ln w="1905"/>
-              <a:gradFill>
-                <a:gsLst>
-                  <a:gs pos="0">
-                    <a:schemeClr val="accent6">
-                      <a:shade val="20000"/>
-                      <a:satMod val="200000"/>
-                    </a:schemeClr>
-                  </a:gs>
-                  <a:gs pos="78000">
-                    <a:schemeClr val="accent6">
-                      <a:tint val="90000"/>
-                      <a:shade val="89000"/>
-                      <a:satMod val="220000"/>
-                    </a:schemeClr>
-                  </a:gs>
-                  <a:gs pos="100000">
-                    <a:schemeClr val="accent6">
-                      <a:tint val="12000"/>
-                      <a:satMod val="255000"/>
-                    </a:schemeClr>
-                  </a:gs>
-                </a:gsLst>
-                <a:lin ang="5400000"/>
-              </a:gradFill>
-              <a:effectLst>
-                <a:innerShdw blurRad="69850" dist="43180" dir="5400000">
-                  <a:srgbClr val="000000">
-                    <a:alpha val="65000"/>
-                  </a:srgbClr>
-                </a:innerShdw>
-              </a:effectLst>
-            </a:endParaRPr>
-          </a:p>
-        </p:txBody>
-      </p:sp>
-      <p:sp>
-        <p:nvSpPr>
-          <p:cNvPr id="14" name="Retângulo 13"/>
-          <p:cNvSpPr/>
-          <p:nvPr/>
-        </p:nvSpPr>
-        <p:spPr>
-          <a:xfrm>
-            <a:off x="5643570" y="4786322"/>
-            <a:ext cx="360439" cy="477054"/>
-          </a:xfrm>
-          <a:prstGeom prst="rect">
-            <a:avLst/>
-          </a:prstGeom>
-          <a:noFill/>
-        </p:spPr>
-        <p:txBody>
-          <a:bodyPr wrap="square" lIns="91440" tIns="45720" rIns="91440" bIns="45720">
-            <a:spAutoFit/>
-          </a:bodyPr>
-          <a:lstStyle/>
-          <a:p>
-            <a:pPr algn="ctr"/>
-            <a:r>
-              <a:rPr lang="pt-BR" sz="2500" b="1" cap="none" spc="0" dirty="0" smtClean="0">
-                <a:ln w="1905"/>
-                <a:gradFill>
-                  <a:gsLst>
-                    <a:gs pos="0">
-                      <a:schemeClr val="accent6">
-                        <a:shade val="20000"/>
-                        <a:satMod val="200000"/>
-                      </a:schemeClr>
-                    </a:gs>
-                    <a:gs pos="78000">
-                      <a:schemeClr val="accent6">
-                        <a:tint val="90000"/>
-                        <a:shade val="89000"/>
-                        <a:satMod val="220000"/>
-                      </a:schemeClr>
-                    </a:gs>
-                    <a:gs pos="100000">
-                      <a:schemeClr val="accent6">
-                        <a:tint val="12000"/>
-                        <a:satMod val="255000"/>
-                      </a:schemeClr>
-                    </a:gs>
-                  </a:gsLst>
-                  <a:lin ang="5400000"/>
-                </a:gradFill>
-                <a:effectLst>
-                  <a:innerShdw blurRad="69850" dist="43180" dir="5400000">
-                    <a:srgbClr val="000000">
-                      <a:alpha val="65000"/>
-                    </a:srgbClr>
-                  </a:innerShdw>
-                </a:effectLst>
+              <a:t>template</a:t>
+            </a:r>
+            <a:r>
+              <a:rPr lang="pt-BR" sz="1850" dirty="0">
+                <a:solidFill>
+                  <a:schemeClr val="tx1">
+                    <a:lumMod val="65000"/>
+                    <a:lumOff val="35000"/>
+                  </a:schemeClr>
+                </a:solidFill>
               </a:rPr>
-              <a:t>6</a:t>
-            </a:r>
-            <a:endParaRPr lang="pt-BR" sz="2500" b="1" cap="none" spc="0" dirty="0">
-              <a:ln w="1905"/>
-              <a:gradFill>
-                <a:gsLst>
-                  <a:gs pos="0">
-                    <a:schemeClr val="accent6">
-                      <a:shade val="20000"/>
-                      <a:satMod val="200000"/>
-                    </a:schemeClr>
-                  </a:gs>
-                  <a:gs pos="78000">
-                    <a:schemeClr val="accent6">
-                      <a:tint val="90000"/>
-                      <a:shade val="89000"/>
-                      <a:satMod val="220000"/>
-                    </a:schemeClr>
-                  </a:gs>
-                  <a:gs pos="100000">
-                    <a:schemeClr val="accent6">
-                      <a:tint val="12000"/>
-                      <a:satMod val="255000"/>
-                    </a:schemeClr>
-                  </a:gs>
-                </a:gsLst>
-                <a:lin ang="5400000"/>
-              </a:gradFill>
-              <a:effectLst>
-                <a:innerShdw blurRad="69850" dist="43180" dir="5400000">
-                  <a:srgbClr val="000000">
-                    <a:alpha val="65000"/>
-                  </a:srgbClr>
-                </a:innerShdw>
-              </a:effectLst>
-            </a:endParaRPr>
-          </a:p>
-        </p:txBody>
-      </p:sp>
-      <p:sp>
-        <p:nvSpPr>
-          <p:cNvPr id="15" name="Retângulo 14"/>
-          <p:cNvSpPr/>
-          <p:nvPr/>
-        </p:nvSpPr>
-        <p:spPr>
-          <a:xfrm>
-            <a:off x="4214810" y="4786322"/>
-            <a:ext cx="360439" cy="477054"/>
-          </a:xfrm>
-          <a:prstGeom prst="rect">
-            <a:avLst/>
-          </a:prstGeom>
-          <a:noFill/>
-        </p:spPr>
-        <p:txBody>
-          <a:bodyPr wrap="square" lIns="91440" tIns="45720" rIns="91440" bIns="45720">
-            <a:spAutoFit/>
-          </a:bodyPr>
-          <a:lstStyle/>
-          <a:p>
-            <a:pPr algn="ctr"/>
-            <a:r>
-              <a:rPr lang="pt-BR" sz="2500" b="1" cap="none" spc="0" dirty="0" smtClean="0">
-                <a:ln w="1905"/>
-                <a:gradFill>
-                  <a:gsLst>
-                    <a:gs pos="0">
-                      <a:schemeClr val="accent6">
-                        <a:shade val="20000"/>
-                        <a:satMod val="200000"/>
-                      </a:schemeClr>
-                    </a:gs>
-                    <a:gs pos="78000">
-                      <a:schemeClr val="accent6">
-                        <a:tint val="90000"/>
-                        <a:shade val="89000"/>
-                        <a:satMod val="220000"/>
-                      </a:schemeClr>
-                    </a:gs>
-                    <a:gs pos="100000">
-                      <a:schemeClr val="accent6">
-                        <a:tint val="12000"/>
-                        <a:satMod val="255000"/>
-                      </a:schemeClr>
-                    </a:gs>
-                  </a:gsLst>
-                  <a:lin ang="5400000"/>
-                </a:gradFill>
-                <a:effectLst>
-                  <a:innerShdw blurRad="69850" dist="43180" dir="5400000">
-                    <a:srgbClr val="000000">
-                      <a:alpha val="65000"/>
-                    </a:srgbClr>
-                  </a:innerShdw>
-                </a:effectLst>
+              <a:t> </a:t>
+            </a:r>
+            <a:r>
+              <a:rPr lang="pt-BR" sz="1850" dirty="0" err="1">
+                <a:solidFill>
+                  <a:schemeClr val="tx1">
+                    <a:lumMod val="65000"/>
+                    <a:lumOff val="35000"/>
+                  </a:schemeClr>
+                </a:solidFill>
               </a:rPr>
-              <a:t>7</a:t>
-            </a:r>
-            <a:endParaRPr lang="pt-BR" sz="2500" b="1" cap="none" spc="0" dirty="0">
-              <a:ln w="1905"/>
-              <a:gradFill>
-                <a:gsLst>
-                  <a:gs pos="0">
-                    <a:schemeClr val="accent6">
-                      <a:shade val="20000"/>
-                      <a:satMod val="200000"/>
-                    </a:schemeClr>
-                  </a:gs>
-                  <a:gs pos="78000">
-                    <a:schemeClr val="accent6">
-                      <a:tint val="90000"/>
-                      <a:shade val="89000"/>
-                      <a:satMod val="220000"/>
-                    </a:schemeClr>
-                  </a:gs>
-                  <a:gs pos="100000">
-                    <a:schemeClr val="accent6">
-                      <a:tint val="12000"/>
-                      <a:satMod val="255000"/>
-                    </a:schemeClr>
-                  </a:gs>
-                </a:gsLst>
-                <a:lin ang="5400000"/>
-              </a:gradFill>
-              <a:effectLst>
-                <a:innerShdw blurRad="69850" dist="43180" dir="5400000">
-                  <a:srgbClr val="000000">
-                    <a:alpha val="65000"/>
-                  </a:srgbClr>
-                </a:innerShdw>
-              </a:effectLst>
-            </a:endParaRPr>
+              <a:t>engine</a:t>
+            </a:r>
+            <a:r>
+              <a:rPr lang="pt-BR" sz="1850" dirty="0">
+                <a:solidFill>
+                  <a:schemeClr val="tx1">
+                    <a:lumMod val="65000"/>
+                    <a:lumOff val="35000"/>
+                  </a:schemeClr>
+                </a:solidFill>
+              </a:rPr>
+              <a:t>:</a:t>
+            </a:r>
           </a:p>
         </p:txBody>
       </p:sp>
@@ -6096,6 +5608,460 @@
 </file>
 
 <file path=ppt/slides/slide14.xml><?xml version="1.0" encoding="utf-8"?>
+<p:sld xmlns:a="http://schemas.openxmlformats.org/drawingml/2006/main" xmlns:r="http://schemas.openxmlformats.org/officeDocument/2006/relationships" xmlns:p="http://schemas.openxmlformats.org/presentationml/2006/main">
+  <p:cSld>
+    <p:spTree>
+      <p:nvGrpSpPr>
+        <p:cNvPr id="1" name=""/>
+        <p:cNvGrpSpPr/>
+        <p:nvPr/>
+      </p:nvGrpSpPr>
+      <p:grpSpPr>
+        <a:xfrm>
+          <a:off x="0" y="0"/>
+          <a:ext cx="0" cy="0"/>
+          <a:chOff x="0" y="0"/>
+          <a:chExt cx="0" cy="0"/>
+        </a:xfrm>
+      </p:grpSpPr>
+      <p:pic>
+        <p:nvPicPr>
+          <p:cNvPr id="3" name="Picture 2"/>
+          <p:cNvPicPr>
+            <a:picLocks noChangeAspect="1" noChangeArrowheads="1"/>
+          </p:cNvPicPr>
+          <p:nvPr/>
+        </p:nvPicPr>
+        <p:blipFill>
+          <a:blip r:embed="rId2"/>
+          <a:srcRect/>
+          <a:stretch>
+            <a:fillRect/>
+          </a:stretch>
+        </p:blipFill>
+        <p:spPr bwMode="auto">
+          <a:xfrm>
+            <a:off x="0" y="0"/>
+            <a:ext cx="9144000" cy="6858000"/>
+          </a:xfrm>
+          <a:prstGeom prst="rect">
+            <a:avLst/>
+          </a:prstGeom>
+          <a:noFill/>
+          <a:ln w="9525">
+            <a:noFill/>
+            <a:miter lim="800000"/>
+            <a:headEnd/>
+            <a:tailEnd/>
+          </a:ln>
+          <a:effectLst/>
+        </p:spPr>
+      </p:pic>
+      <p:sp>
+        <p:nvSpPr>
+          <p:cNvPr id="2" name="Espaço Reservado para Número de Slide 1"/>
+          <p:cNvSpPr>
+            <a:spLocks noGrp="1"/>
+          </p:cNvSpPr>
+          <p:nvPr>
+            <p:ph type="sldNum" sz="quarter" idx="12"/>
+          </p:nvPr>
+        </p:nvSpPr>
+        <p:spPr/>
+        <p:txBody>
+          <a:bodyPr/>
+          <a:lstStyle/>
+          <a:p>
+            <a:fld id="{1DDCB7E2-6FE2-4114-9269-8DE6ED9DF597}" type="slidenum">
+              <a:rPr lang="pt-BR" smtClean="0"/>
+              <a:pPr/>
+              <a:t>14</a:t>
+            </a:fld>
+            <a:endParaRPr lang="pt-BR" dirty="0"/>
+          </a:p>
+        </p:txBody>
+      </p:sp>
+      <p:sp>
+        <p:nvSpPr>
+          <p:cNvPr id="5" name="Retângulo 4"/>
+          <p:cNvSpPr/>
+          <p:nvPr/>
+        </p:nvSpPr>
+        <p:spPr>
+          <a:xfrm>
+            <a:off x="142844" y="1820938"/>
+            <a:ext cx="2143140" cy="1938992"/>
+          </a:xfrm>
+          <a:prstGeom prst="rect">
+            <a:avLst/>
+          </a:prstGeom>
+        </p:spPr>
+        <p:txBody>
+          <a:bodyPr wrap="square">
+            <a:spAutoFit/>
+          </a:bodyPr>
+          <a:lstStyle/>
+          <a:p>
+            <a:endParaRPr lang="en-US" b="1" dirty="0">
+              <a:solidFill>
+                <a:schemeClr val="bg2"/>
+              </a:solidFill>
+            </a:endParaRPr>
+          </a:p>
+          <a:p>
+            <a:pPr algn="ctr"/>
+            <a:r>
+              <a:rPr lang="en-US" sz="2400" b="1" dirty="0" smtClean="0">
+                <a:solidFill>
+                  <a:schemeClr val="bg2"/>
+                </a:solidFill>
+                <a:latin typeface="+mj-lt"/>
+                <a:ea typeface="Microsoft JhengHei" pitchFamily="34" charset="-120"/>
+                <a:cs typeface="Aharoni" pitchFamily="2" charset="-79"/>
+              </a:rPr>
+              <a:t>Documentação</a:t>
+            </a:r>
+            <a:r>
+              <a:rPr lang="en-US" sz="2800" b="1" dirty="0" smtClean="0">
+                <a:solidFill>
+                  <a:schemeClr val="bg2"/>
+                </a:solidFill>
+                <a:latin typeface="+mj-lt"/>
+                <a:ea typeface="Microsoft JhengHei" pitchFamily="34" charset="-120"/>
+                <a:cs typeface="Aharoni" pitchFamily="2" charset="-79"/>
+              </a:rPr>
+              <a:t> e Comunidade</a:t>
+            </a:r>
+          </a:p>
+          <a:p>
+            <a:endParaRPr lang="en-US" b="1" dirty="0">
+              <a:solidFill>
+                <a:schemeClr val="bg2"/>
+              </a:solidFill>
+            </a:endParaRPr>
+          </a:p>
+        </p:txBody>
+      </p:sp>
+      <p:sp>
+        <p:nvSpPr>
+          <p:cNvPr id="33793" name="Rectangle 1"/>
+          <p:cNvSpPr>
+            <a:spLocks noChangeArrowheads="1"/>
+          </p:cNvSpPr>
+          <p:nvPr/>
+        </p:nvSpPr>
+        <p:spPr bwMode="auto">
+          <a:xfrm>
+            <a:off x="2428860" y="1785926"/>
+            <a:ext cx="6500858" cy="3877985"/>
+          </a:xfrm>
+          <a:prstGeom prst="rect">
+            <a:avLst/>
+          </a:prstGeom>
+          <a:noFill/>
+          <a:ln w="9525">
+            <a:noFill/>
+            <a:miter lim="800000"/>
+            <a:headEnd/>
+            <a:tailEnd/>
+          </a:ln>
+          <a:effectLst/>
+        </p:spPr>
+        <p:txBody>
+          <a:bodyPr vert="horz" wrap="square" lIns="91440" tIns="45720" rIns="91440" bIns="45720" numCol="1" anchor="ctr" anchorCtr="0" compatLnSpc="1">
+            <a:prstTxWarp prst="textNoShape">
+              <a:avLst/>
+            </a:prstTxWarp>
+            <a:spAutoFit/>
+          </a:bodyPr>
+          <a:lstStyle/>
+          <a:p>
+            <a:pPr marL="0" marR="0" lvl="0" indent="0" algn="l" defTabSz="914400" rtl="0" eaLnBrk="1" fontAlgn="base" latinLnBrk="0" hangingPunct="1">
+              <a:lnSpc>
+                <a:spcPct val="100000"/>
+              </a:lnSpc>
+              <a:spcBef>
+                <a:spcPct val="0"/>
+              </a:spcBef>
+              <a:spcAft>
+                <a:spcPct val="0"/>
+              </a:spcAft>
+              <a:buClrTx/>
+              <a:buSzTx/>
+              <a:buFontTx/>
+              <a:buNone/>
+              <a:tabLst/>
+            </a:pPr>
+            <a:r>
+              <a:rPr kumimoji="0" lang="pt-BR" sz="2800" b="0" i="0" u="none" strike="noStrike" cap="none" normalizeH="0" baseline="0" dirty="0" smtClean="0">
+                <a:ln>
+                  <a:noFill/>
+                </a:ln>
+                <a:solidFill>
+                  <a:schemeClr val="tx1">
+                    <a:lumMod val="65000"/>
+                    <a:lumOff val="35000"/>
+                  </a:schemeClr>
+                </a:solidFill>
+                <a:effectLst/>
+                <a:ea typeface="Times New Roman" pitchFamily="18" charset="0"/>
+                <a:cs typeface="Arial" pitchFamily="34" charset="0"/>
+              </a:rPr>
+              <a:t>O CodeIgniter está bem </a:t>
+            </a:r>
+          </a:p>
+          <a:p>
+            <a:pPr marL="0" marR="0" lvl="0" indent="0" algn="l" defTabSz="914400" rtl="0" eaLnBrk="1" fontAlgn="base" latinLnBrk="0" hangingPunct="1">
+              <a:lnSpc>
+                <a:spcPct val="100000"/>
+              </a:lnSpc>
+              <a:spcBef>
+                <a:spcPct val="0"/>
+              </a:spcBef>
+              <a:spcAft>
+                <a:spcPct val="0"/>
+              </a:spcAft>
+              <a:buClrTx/>
+              <a:buSzTx/>
+              <a:buFontTx/>
+              <a:buNone/>
+              <a:tabLst/>
+            </a:pPr>
+            <a:r>
+              <a:rPr kumimoji="0" lang="pt-BR" sz="2800" b="0" i="0" u="none" strike="noStrike" cap="none" normalizeH="0" baseline="0" dirty="0" smtClean="0">
+                <a:ln>
+                  <a:noFill/>
+                </a:ln>
+                <a:solidFill>
+                  <a:schemeClr val="tx1">
+                    <a:lumMod val="65000"/>
+                    <a:lumOff val="35000"/>
+                  </a:schemeClr>
+                </a:solidFill>
+                <a:effectLst/>
+                <a:ea typeface="Times New Roman" pitchFamily="18" charset="0"/>
+                <a:cs typeface="Arial" pitchFamily="34" charset="0"/>
+              </a:rPr>
+              <a:t>documentado</a:t>
+            </a:r>
+          </a:p>
+          <a:p>
+            <a:pPr marL="0" marR="0" lvl="0" indent="0" algn="l" defTabSz="914400" rtl="0" eaLnBrk="1" fontAlgn="base" latinLnBrk="0" hangingPunct="1">
+              <a:lnSpc>
+                <a:spcPct val="100000"/>
+              </a:lnSpc>
+              <a:spcBef>
+                <a:spcPct val="0"/>
+              </a:spcBef>
+              <a:spcAft>
+                <a:spcPct val="0"/>
+              </a:spcAft>
+              <a:buClrTx/>
+              <a:buSzTx/>
+              <a:buFontTx/>
+              <a:buNone/>
+              <a:tabLst/>
+            </a:pPr>
+            <a:endParaRPr lang="pt-BR" sz="2500" dirty="0">
+              <a:solidFill>
+                <a:schemeClr val="tx1">
+                  <a:lumMod val="65000"/>
+                  <a:lumOff val="35000"/>
+                </a:schemeClr>
+              </a:solidFill>
+              <a:cs typeface="Arial" pitchFamily="34" charset="0"/>
+            </a:endParaRPr>
+          </a:p>
+          <a:p>
+            <a:pPr fontAlgn="base">
+              <a:spcBef>
+                <a:spcPct val="0"/>
+              </a:spcBef>
+              <a:spcAft>
+                <a:spcPct val="0"/>
+              </a:spcAft>
+            </a:pPr>
+            <a:endParaRPr lang="pt-BR" sz="2800" dirty="0" smtClean="0">
+              <a:solidFill>
+                <a:schemeClr val="tx1">
+                  <a:lumMod val="65000"/>
+                  <a:lumOff val="35000"/>
+                </a:schemeClr>
+              </a:solidFill>
+            </a:endParaRPr>
+          </a:p>
+          <a:p>
+            <a:pPr fontAlgn="base">
+              <a:spcBef>
+                <a:spcPct val="0"/>
+              </a:spcBef>
+              <a:spcAft>
+                <a:spcPct val="0"/>
+              </a:spcAft>
+            </a:pPr>
+            <a:endParaRPr lang="pt-BR" sz="2800" dirty="0">
+              <a:solidFill>
+                <a:schemeClr val="tx1">
+                  <a:lumMod val="65000"/>
+                  <a:lumOff val="35000"/>
+                </a:schemeClr>
+              </a:solidFill>
+            </a:endParaRPr>
+          </a:p>
+          <a:p>
+            <a:pPr fontAlgn="base">
+              <a:spcBef>
+                <a:spcPct val="0"/>
+              </a:spcBef>
+              <a:spcAft>
+                <a:spcPct val="0"/>
+              </a:spcAft>
+            </a:pPr>
+            <a:r>
+              <a:rPr lang="pt-BR" sz="2800" dirty="0" smtClean="0">
+                <a:solidFill>
+                  <a:schemeClr val="tx1">
+                    <a:lumMod val="65000"/>
+                    <a:lumOff val="35000"/>
+                  </a:schemeClr>
+                </a:solidFill>
+              </a:rPr>
+              <a:t>O </a:t>
+            </a:r>
+            <a:r>
+              <a:rPr lang="pt-BR" sz="2800" dirty="0">
+                <a:solidFill>
+                  <a:schemeClr val="tx1">
+                    <a:lumMod val="65000"/>
+                    <a:lumOff val="35000"/>
+                  </a:schemeClr>
+                </a:solidFill>
+              </a:rPr>
+              <a:t>CodeIgniter tem uma comunidade amigável de </a:t>
+            </a:r>
+            <a:r>
+              <a:rPr lang="pt-BR" sz="2800" dirty="0" smtClean="0">
+                <a:solidFill>
+                  <a:schemeClr val="tx1">
+                    <a:lumMod val="65000"/>
+                    <a:lumOff val="35000"/>
+                  </a:schemeClr>
+                </a:solidFill>
+              </a:rPr>
+              <a:t>usuários:</a:t>
+            </a:r>
+            <a:endParaRPr lang="pt-BR" sz="2800" dirty="0">
+              <a:solidFill>
+                <a:schemeClr val="tx1">
+                  <a:lumMod val="65000"/>
+                  <a:lumOff val="35000"/>
+                </a:schemeClr>
+              </a:solidFill>
+            </a:endParaRPr>
+          </a:p>
+          <a:p>
+            <a:pPr fontAlgn="base">
+              <a:spcBef>
+                <a:spcPct val="0"/>
+              </a:spcBef>
+              <a:spcAft>
+                <a:spcPct val="0"/>
+              </a:spcAft>
+            </a:pPr>
+            <a:r>
+              <a:rPr lang="pt-BR" sz="2800" dirty="0" smtClean="0">
+                <a:solidFill>
+                  <a:schemeClr val="tx1">
+                    <a:lumMod val="65000"/>
+                    <a:lumOff val="35000"/>
+                  </a:schemeClr>
+                </a:solidFill>
+                <a:hlinkClick r:id="rId3"/>
+              </a:rPr>
+              <a:t>https://forum.codeigniter.com/</a:t>
+            </a:r>
+            <a:endParaRPr lang="pt-BR" sz="2800" dirty="0">
+              <a:solidFill>
+                <a:schemeClr val="tx1">
+                  <a:lumMod val="65000"/>
+                  <a:lumOff val="35000"/>
+                </a:schemeClr>
+              </a:solidFill>
+            </a:endParaRPr>
+          </a:p>
+          <a:p>
+            <a:pPr marL="0" marR="0" lvl="0" indent="0" algn="l" defTabSz="914400" rtl="0" eaLnBrk="1" fontAlgn="base" latinLnBrk="0" hangingPunct="1">
+              <a:lnSpc>
+                <a:spcPct val="100000"/>
+              </a:lnSpc>
+              <a:spcBef>
+                <a:spcPct val="0"/>
+              </a:spcBef>
+              <a:spcAft>
+                <a:spcPct val="0"/>
+              </a:spcAft>
+              <a:buClrTx/>
+              <a:buSzTx/>
+              <a:buFontTx/>
+              <a:buNone/>
+              <a:tabLst/>
+            </a:pPr>
+            <a:endParaRPr kumimoji="0" lang="pt-BR" sz="2500" b="0" i="0" u="none" strike="noStrike" cap="none" normalizeH="0" baseline="0" dirty="0" smtClean="0">
+              <a:ln>
+                <a:noFill/>
+              </a:ln>
+              <a:solidFill>
+                <a:schemeClr val="tx1">
+                  <a:lumMod val="65000"/>
+                  <a:lumOff val="35000"/>
+                </a:schemeClr>
+              </a:solidFill>
+              <a:effectLst/>
+              <a:cs typeface="Arial" pitchFamily="34" charset="0"/>
+            </a:endParaRPr>
+          </a:p>
+        </p:txBody>
+      </p:sp>
+      <p:pic>
+        <p:nvPicPr>
+          <p:cNvPr id="7" name="Imagem 6" descr="documentacao.jpg"/>
+          <p:cNvPicPr>
+            <a:picLocks noChangeAspect="1"/>
+          </p:cNvPicPr>
+          <p:nvPr/>
+        </p:nvPicPr>
+        <p:blipFill>
+          <a:blip r:embed="rId4"/>
+          <a:stretch>
+            <a:fillRect/>
+          </a:stretch>
+        </p:blipFill>
+        <p:spPr>
+          <a:xfrm>
+            <a:off x="6948493" y="1531016"/>
+            <a:ext cx="2195507" cy="2195507"/>
+          </a:xfrm>
+          <a:prstGeom prst="rect">
+            <a:avLst/>
+          </a:prstGeom>
+        </p:spPr>
+      </p:pic>
+    </p:spTree>
+  </p:cSld>
+  <p:clrMapOvr>
+    <a:masterClrMapping/>
+  </p:clrMapOvr>
+  <p:timing>
+    <p:tnLst>
+      <p:par>
+        <p:cTn id="1" dur="indefinite" restart="never" nodeType="tmRoot"/>
+      </p:par>
+    </p:tnLst>
+  </p:timing>
+</p:sld>
+</file>
+
+<file path=ppt/slides/slide15.xml><?xml version="1.0" encoding="utf-8"?>
 <p:sld xmlns:a="http://schemas.openxmlformats.org/drawingml/2006/main" xmlns:r="http://schemas.openxmlformats.org/officeDocument/2006/relationships" xmlns:p="http://schemas.openxmlformats.org/presentationml/2006/main">
   <p:cSld>
     <p:bg>
@@ -6164,9 +6130,44 @@
             <a:fld id="{1DDCB7E2-6FE2-4114-9269-8DE6ED9DF597}" type="slidenum">
               <a:rPr lang="pt-BR" smtClean="0"/>
               <a:pPr/>
-              <a:t>14</a:t>
+              <a:t>15</a:t>
             </a:fld>
             <a:endParaRPr lang="pt-BR" dirty="0"/>
+          </a:p>
+        </p:txBody>
+      </p:sp>
+      <p:sp>
+        <p:nvSpPr>
+          <p:cNvPr id="4" name="Retângulo 3"/>
+          <p:cNvSpPr/>
+          <p:nvPr/>
+        </p:nvSpPr>
+        <p:spPr>
+          <a:xfrm>
+            <a:off x="5286364" y="285728"/>
+            <a:ext cx="3857636" cy="230832"/>
+          </a:xfrm>
+          <a:prstGeom prst="rect">
+            <a:avLst/>
+          </a:prstGeom>
+        </p:spPr>
+        <p:txBody>
+          <a:bodyPr wrap="square">
+            <a:spAutoFit/>
+          </a:bodyPr>
+          <a:lstStyle/>
+          <a:p>
+            <a:r>
+              <a:rPr lang="pt-BR" sz="900" b="1" dirty="0" smtClean="0">
+                <a:latin typeface="Arial" pitchFamily="34" charset="0"/>
+                <a:cs typeface="Arial" pitchFamily="34" charset="0"/>
+              </a:rPr>
+              <a:t>https://www.neoguias.com/mejores-frameworks-gratuitos-de-php/</a:t>
+            </a:r>
+            <a:endParaRPr lang="pt-BR" sz="900" b="1" dirty="0">
+              <a:latin typeface="Arial" pitchFamily="34" charset="0"/>
+              <a:cs typeface="Arial" pitchFamily="34" charset="0"/>
+            </a:endParaRPr>
           </a:p>
         </p:txBody>
       </p:sp>
@@ -6182,79 +6183,6 @@
       </p:par>
     </p:tnLst>
   </p:timing>
-</p:sld>
-</file>
-
-<file path=ppt/slides/slide15.xml><?xml version="1.0" encoding="utf-8"?>
-<p:sld xmlns:a="http://schemas.openxmlformats.org/drawingml/2006/main" xmlns:r="http://schemas.openxmlformats.org/officeDocument/2006/relationships" xmlns:p="http://schemas.openxmlformats.org/presentationml/2006/main">
-  <p:cSld>
-    <p:spTree>
-      <p:nvGrpSpPr>
-        <p:cNvPr id="1" name=""/>
-        <p:cNvGrpSpPr/>
-        <p:nvPr/>
-      </p:nvGrpSpPr>
-      <p:grpSpPr>
-        <a:xfrm>
-          <a:off x="0" y="0"/>
-          <a:ext cx="0" cy="0"/>
-          <a:chOff x="0" y="0"/>
-          <a:chExt cx="0" cy="0"/>
-        </a:xfrm>
-      </p:grpSpPr>
-      <p:sp>
-        <p:nvSpPr>
-          <p:cNvPr id="2" name="Espaço Reservado para Número de Slide 1"/>
-          <p:cNvSpPr>
-            <a:spLocks noGrp="1"/>
-          </p:cNvSpPr>
-          <p:nvPr>
-            <p:ph type="sldNum" sz="quarter" idx="12"/>
-          </p:nvPr>
-        </p:nvSpPr>
-        <p:spPr/>
-        <p:txBody>
-          <a:bodyPr/>
-          <a:lstStyle/>
-          <a:p>
-            <a:fld id="{1DDCB7E2-6FE2-4114-9269-8DE6ED9DF597}" type="slidenum">
-              <a:rPr lang="pt-BR" smtClean="0"/>
-              <a:pPr/>
-              <a:t>15</a:t>
-            </a:fld>
-            <a:endParaRPr lang="pt-BR" dirty="0"/>
-          </a:p>
-        </p:txBody>
-      </p:sp>
-      <p:pic>
-        <p:nvPicPr>
-          <p:cNvPr id="3" name="Imagem 2" descr="questions.jpg"/>
-          <p:cNvPicPr>
-            <a:picLocks noChangeAspect="1"/>
-          </p:cNvPicPr>
-          <p:nvPr/>
-        </p:nvPicPr>
-        <p:blipFill>
-          <a:blip r:embed="rId2"/>
-          <a:stretch>
-            <a:fillRect/>
-          </a:stretch>
-        </p:blipFill>
-        <p:spPr>
-          <a:xfrm>
-            <a:off x="1071538" y="839782"/>
-            <a:ext cx="6847629" cy="5018110"/>
-          </a:xfrm>
-          <a:prstGeom prst="rect">
-            <a:avLst/>
-          </a:prstGeom>
-        </p:spPr>
-      </p:pic>
-    </p:spTree>
-  </p:cSld>
-  <p:clrMapOvr>
-    <a:masterClrMapping/>
-  </p:clrMapOvr>
 </p:sld>
 </file>
 
@@ -6277,7 +6205,7 @@
       </p:grpSpPr>
       <p:sp>
         <p:nvSpPr>
-          <p:cNvPr id="4" name="Espaço Reservado para Número de Slide 3"/>
+          <p:cNvPr id="2" name="Espaço Reservado para Número de Slide 1"/>
           <p:cNvSpPr>
             <a:spLocks noGrp="1"/>
           </p:cNvSpPr>
@@ -6294,6 +6222,86 @@
               <a:rPr lang="pt-BR" smtClean="0"/>
               <a:pPr/>
               <a:t>16</a:t>
+            </a:fld>
+            <a:endParaRPr lang="pt-BR" dirty="0"/>
+          </a:p>
+        </p:txBody>
+      </p:sp>
+      <p:pic>
+        <p:nvPicPr>
+          <p:cNvPr id="3" name="Imagem 2" descr="questions.jpg"/>
+          <p:cNvPicPr>
+            <a:picLocks noChangeAspect="1"/>
+          </p:cNvPicPr>
+          <p:nvPr/>
+        </p:nvPicPr>
+        <p:blipFill>
+          <a:blip r:embed="rId2"/>
+          <a:stretch>
+            <a:fillRect/>
+          </a:stretch>
+        </p:blipFill>
+        <p:spPr>
+          <a:xfrm>
+            <a:off x="1071538" y="839782"/>
+            <a:ext cx="6847629" cy="5018110"/>
+          </a:xfrm>
+          <a:prstGeom prst="rect">
+            <a:avLst/>
+          </a:prstGeom>
+        </p:spPr>
+      </p:pic>
+    </p:spTree>
+  </p:cSld>
+  <p:clrMapOvr>
+    <a:masterClrMapping/>
+  </p:clrMapOvr>
+  <p:timing>
+    <p:tnLst>
+      <p:par>
+        <p:cTn id="1" dur="indefinite" restart="never" nodeType="tmRoot"/>
+      </p:par>
+    </p:tnLst>
+  </p:timing>
+</p:sld>
+</file>
+
+<file path=ppt/slides/slide17.xml><?xml version="1.0" encoding="utf-8"?>
+<p:sld xmlns:a="http://schemas.openxmlformats.org/drawingml/2006/main" xmlns:r="http://schemas.openxmlformats.org/officeDocument/2006/relationships" xmlns:p="http://schemas.openxmlformats.org/presentationml/2006/main">
+  <p:cSld>
+    <p:spTree>
+      <p:nvGrpSpPr>
+        <p:cNvPr id="1" name=""/>
+        <p:cNvGrpSpPr/>
+        <p:nvPr/>
+      </p:nvGrpSpPr>
+      <p:grpSpPr>
+        <a:xfrm>
+          <a:off x="0" y="0"/>
+          <a:ext cx="0" cy="0"/>
+          <a:chOff x="0" y="0"/>
+          <a:chExt cx="0" cy="0"/>
+        </a:xfrm>
+      </p:grpSpPr>
+      <p:sp>
+        <p:nvSpPr>
+          <p:cNvPr id="4" name="Espaço Reservado para Número de Slide 3"/>
+          <p:cNvSpPr>
+            <a:spLocks noGrp="1"/>
+          </p:cNvSpPr>
+          <p:nvPr>
+            <p:ph type="sldNum" sz="quarter" idx="12"/>
+          </p:nvPr>
+        </p:nvSpPr>
+        <p:spPr/>
+        <p:txBody>
+          <a:bodyPr/>
+          <a:lstStyle/>
+          <a:p>
+            <a:fld id="{1DDCB7E2-6FE2-4114-9269-8DE6ED9DF597}" type="slidenum">
+              <a:rPr lang="pt-BR" smtClean="0"/>
+              <a:pPr/>
+              <a:t>17</a:t>
             </a:fld>
             <a:endParaRPr lang="pt-BR" dirty="0"/>
           </a:p>
@@ -7687,9 +7695,249 @@
           <a:effectLst/>
         </p:spPr>
       </p:pic>
+      <p:sp>
+        <p:nvSpPr>
+          <p:cNvPr id="2" name="Espaço Reservado para Número de Slide 1"/>
+          <p:cNvSpPr>
+            <a:spLocks noGrp="1"/>
+          </p:cNvSpPr>
+          <p:nvPr>
+            <p:ph type="sldNum" sz="quarter" idx="12"/>
+          </p:nvPr>
+        </p:nvSpPr>
+        <p:spPr/>
+        <p:txBody>
+          <a:bodyPr/>
+          <a:lstStyle/>
+          <a:p>
+            <a:fld id="{1DDCB7E2-6FE2-4114-9269-8DE6ED9DF597}" type="slidenum">
+              <a:rPr lang="pt-BR" smtClean="0"/>
+              <a:pPr/>
+              <a:t>7</a:t>
+            </a:fld>
+            <a:endParaRPr lang="pt-BR" dirty="0"/>
+          </a:p>
+        </p:txBody>
+      </p:sp>
+      <p:sp>
+        <p:nvSpPr>
+          <p:cNvPr id="29697" name="Rectangle 1"/>
+          <p:cNvSpPr>
+            <a:spLocks noChangeArrowheads="1"/>
+          </p:cNvSpPr>
+          <p:nvPr/>
+        </p:nvSpPr>
+        <p:spPr bwMode="auto">
+          <a:xfrm>
+            <a:off x="2428860" y="2571744"/>
+            <a:ext cx="6715140" cy="2785378"/>
+          </a:xfrm>
+          <a:prstGeom prst="rect">
+            <a:avLst/>
+          </a:prstGeom>
+          <a:noFill/>
+          <a:ln w="9525">
+            <a:noFill/>
+            <a:miter lim="800000"/>
+            <a:headEnd/>
+            <a:tailEnd/>
+          </a:ln>
+          <a:effectLst/>
+        </p:spPr>
+        <p:txBody>
+          <a:bodyPr vert="horz" wrap="square" lIns="91440" tIns="45720" rIns="91440" bIns="45720" numCol="1" anchor="ctr" anchorCtr="0" compatLnSpc="1">
+            <a:prstTxWarp prst="textNoShape">
+              <a:avLst/>
+            </a:prstTxWarp>
+            <a:spAutoFit/>
+          </a:bodyPr>
+          <a:lstStyle/>
+          <a:p>
+            <a:pPr marL="0" marR="0" lvl="0" indent="0" algn="l" defTabSz="914400" rtl="0" eaLnBrk="1" fontAlgn="base" latinLnBrk="0" hangingPunct="1">
+              <a:lnSpc>
+                <a:spcPct val="100000"/>
+              </a:lnSpc>
+              <a:spcBef>
+                <a:spcPct val="0"/>
+              </a:spcBef>
+              <a:spcAft>
+                <a:spcPct val="0"/>
+              </a:spcAft>
+              <a:buClrTx/>
+              <a:buSzTx/>
+              <a:buFontTx/>
+              <a:buNone/>
+              <a:tabLst/>
+            </a:pPr>
+            <a:r>
+              <a:rPr kumimoji="0" lang="pt-BR" sz="3000" b="0" i="0" u="none" strike="noStrike" cap="none" normalizeH="0" baseline="0" dirty="0" smtClean="0">
+                <a:ln>
+                  <a:noFill/>
+                </a:ln>
+                <a:solidFill>
+                  <a:schemeClr val="tx1">
+                    <a:lumMod val="65000"/>
+                    <a:lumOff val="35000"/>
+                  </a:schemeClr>
+                </a:solidFill>
+                <a:effectLst/>
+                <a:ea typeface="Times New Roman" pitchFamily="18" charset="0"/>
+                <a:cs typeface="Arial" pitchFamily="34" charset="0"/>
+              </a:rPr>
+              <a:t>CodeIgniter cai como uma luva</a:t>
+            </a:r>
+            <a:endParaRPr lang="pt-BR" sz="3000" dirty="0" smtClean="0">
+              <a:solidFill>
+                <a:schemeClr val="tx1">
+                  <a:lumMod val="65000"/>
+                  <a:lumOff val="35000"/>
+                </a:schemeClr>
+              </a:solidFill>
+              <a:cs typeface="Arial" pitchFamily="34" charset="0"/>
+            </a:endParaRPr>
+          </a:p>
+          <a:p>
+            <a:pPr marL="0" marR="0" lvl="0" indent="0" algn="l" defTabSz="914400" rtl="0" eaLnBrk="1" fontAlgn="base" latinLnBrk="0" hangingPunct="1">
+              <a:lnSpc>
+                <a:spcPct val="100000"/>
+              </a:lnSpc>
+              <a:spcBef>
+                <a:spcPct val="0"/>
+              </a:spcBef>
+              <a:spcAft>
+                <a:spcPct val="0"/>
+              </a:spcAft>
+              <a:buClrTx/>
+              <a:buSzTx/>
+              <a:buFontTx/>
+              <a:buNone/>
+              <a:tabLst/>
+            </a:pPr>
+            <a:endParaRPr lang="pt-BR" sz="3000" dirty="0">
+              <a:solidFill>
+                <a:schemeClr val="tx1">
+                  <a:lumMod val="65000"/>
+                  <a:lumOff val="35000"/>
+                </a:schemeClr>
+              </a:solidFill>
+              <a:latin typeface="Arial" pitchFamily="34" charset="0"/>
+              <a:cs typeface="Arial" pitchFamily="34" charset="0"/>
+            </a:endParaRPr>
+          </a:p>
+          <a:p>
+            <a:pPr marL="0" marR="0" lvl="0" indent="0" algn="l" defTabSz="914400" rtl="0" eaLnBrk="1" fontAlgn="base" latinLnBrk="0" hangingPunct="1">
+              <a:lnSpc>
+                <a:spcPct val="100000"/>
+              </a:lnSpc>
+              <a:spcBef>
+                <a:spcPct val="0"/>
+              </a:spcBef>
+              <a:spcAft>
+                <a:spcPct val="0"/>
+              </a:spcAft>
+              <a:buClrTx/>
+              <a:buSzTx/>
+              <a:buFontTx/>
+              <a:buNone/>
+              <a:tabLst/>
+            </a:pPr>
+            <a:endParaRPr lang="pt-BR" sz="3000" dirty="0" smtClean="0">
+              <a:solidFill>
+                <a:schemeClr val="tx1">
+                  <a:lumMod val="65000"/>
+                  <a:lumOff val="35000"/>
+                </a:schemeClr>
+              </a:solidFill>
+              <a:latin typeface="Arial" pitchFamily="34" charset="0"/>
+              <a:cs typeface="Arial" pitchFamily="34" charset="0"/>
+            </a:endParaRPr>
+          </a:p>
+          <a:p>
+            <a:pPr marL="0" marR="0" lvl="0" indent="0" algn="l" defTabSz="914400" rtl="0" eaLnBrk="1" fontAlgn="base" latinLnBrk="0" hangingPunct="1">
+              <a:lnSpc>
+                <a:spcPct val="100000"/>
+              </a:lnSpc>
+              <a:spcBef>
+                <a:spcPct val="0"/>
+              </a:spcBef>
+              <a:spcAft>
+                <a:spcPct val="0"/>
+              </a:spcAft>
+              <a:buClrTx/>
+              <a:buSzTx/>
+              <a:buFontTx/>
+              <a:buNone/>
+              <a:tabLst/>
+            </a:pPr>
+            <a:endParaRPr lang="pt-BR" sz="3000" dirty="0">
+              <a:solidFill>
+                <a:schemeClr val="tx1">
+                  <a:lumMod val="65000"/>
+                  <a:lumOff val="35000"/>
+                </a:schemeClr>
+              </a:solidFill>
+              <a:latin typeface="Arial" pitchFamily="34" charset="0"/>
+              <a:cs typeface="Arial" pitchFamily="34" charset="0"/>
+            </a:endParaRPr>
+          </a:p>
+          <a:p>
+            <a:pPr fontAlgn="base">
+              <a:spcBef>
+                <a:spcPct val="0"/>
+              </a:spcBef>
+              <a:spcAft>
+                <a:spcPct val="0"/>
+              </a:spcAft>
+            </a:pPr>
+            <a:r>
+              <a:rPr lang="pt-BR" sz="3000" dirty="0">
+                <a:solidFill>
+                  <a:schemeClr val="tx1">
+                    <a:lumMod val="65000"/>
+                    <a:lumOff val="35000"/>
+                  </a:schemeClr>
+                </a:solidFill>
+              </a:rPr>
+              <a:t>CodeIgniter é extensível</a:t>
+            </a:r>
+          </a:p>
+          <a:p>
+            <a:pPr marL="0" marR="0" lvl="0" indent="0" algn="l" defTabSz="914400" rtl="0" eaLnBrk="1" fontAlgn="base" latinLnBrk="0" hangingPunct="1">
+              <a:lnSpc>
+                <a:spcPct val="100000"/>
+              </a:lnSpc>
+              <a:spcBef>
+                <a:spcPct val="0"/>
+              </a:spcBef>
+              <a:spcAft>
+                <a:spcPct val="0"/>
+              </a:spcAft>
+              <a:buClrTx/>
+              <a:buSzTx/>
+              <a:buFontTx/>
+              <a:buNone/>
+              <a:tabLst/>
+            </a:pPr>
+            <a:endParaRPr kumimoji="0" lang="pt-BR" sz="2500" b="0" i="0" u="none" strike="noStrike" cap="none" normalizeH="0" baseline="0" dirty="0" smtClean="0">
+              <a:ln>
+                <a:noFill/>
+              </a:ln>
+              <a:solidFill>
+                <a:schemeClr val="tx1">
+                  <a:lumMod val="65000"/>
+                  <a:lumOff val="35000"/>
+                </a:schemeClr>
+              </a:solidFill>
+              <a:effectLst/>
+              <a:latin typeface="Arial" pitchFamily="34" charset="0"/>
+              <a:cs typeface="Arial" pitchFamily="34" charset="0"/>
+            </a:endParaRPr>
+          </a:p>
+        </p:txBody>
+      </p:sp>
       <p:pic>
         <p:nvPicPr>
-          <p:cNvPr id="7" name="Imagem 6" descr="mvc2.png"/>
+          <p:cNvPr id="5" name="Imagem 4" descr="icon.jpg"/>
           <p:cNvPicPr>
             <a:picLocks noChangeAspect="1"/>
           </p:cNvPicPr>
@@ -7703,41 +7951,41 @@
         </p:blipFill>
         <p:spPr>
           <a:xfrm>
-            <a:off x="2714612" y="1563486"/>
-            <a:ext cx="6072230" cy="5294514"/>
+            <a:off x="7286644" y="2143116"/>
+            <a:ext cx="928694" cy="928694"/>
           </a:xfrm>
           <a:prstGeom prst="rect">
             <a:avLst/>
           </a:prstGeom>
         </p:spPr>
       </p:pic>
-      <p:sp>
-        <p:nvSpPr>
-          <p:cNvPr id="2" name="Espaço Reservado para Número de Slide 1"/>
-          <p:cNvSpPr>
-            <a:spLocks noGrp="1"/>
-          </p:cNvSpPr>
-          <p:nvPr>
-            <p:ph type="sldNum" sz="quarter" idx="12"/>
-          </p:nvPr>
-        </p:nvSpPr>
-        <p:spPr/>
-        <p:txBody>
-          <a:bodyPr/>
-          <a:lstStyle/>
-          <a:p>
-            <a:fld id="{1DDCB7E2-6FE2-4114-9269-8DE6ED9DF597}" type="slidenum">
-              <a:rPr lang="pt-BR" smtClean="0"/>
-              <a:pPr/>
-              <a:t>7</a:t>
-            </a:fld>
-            <a:endParaRPr lang="pt-BR" dirty="0"/>
-          </a:p>
-        </p:txBody>
-      </p:sp>
-      <p:sp>
-        <p:nvSpPr>
-          <p:cNvPr id="4" name="Retângulo 3"/>
+      <p:pic>
+        <p:nvPicPr>
+          <p:cNvPr id="6" name="Imagem 5" descr="icon.jpg"/>
+          <p:cNvPicPr>
+            <a:picLocks noChangeAspect="1"/>
+          </p:cNvPicPr>
+          <p:nvPr/>
+        </p:nvPicPr>
+        <p:blipFill>
+          <a:blip r:embed="rId3"/>
+          <a:stretch>
+            <a:fillRect/>
+          </a:stretch>
+        </p:blipFill>
+        <p:spPr>
+          <a:xfrm>
+            <a:off x="6215074" y="4000504"/>
+            <a:ext cx="928694" cy="928694"/>
+          </a:xfrm>
+          <a:prstGeom prst="rect">
+            <a:avLst/>
+          </a:prstGeom>
+        </p:spPr>
+      </p:pic>
+      <p:sp>
+        <p:nvSpPr>
+          <p:cNvPr id="7" name="Retângulo 6"/>
           <p:cNvSpPr/>
           <p:nvPr/>
         </p:nvSpPr>
@@ -7773,7 +8021,7 @@
                 <a:ea typeface="Microsoft JhengHei" pitchFamily="34" charset="-120"/>
                 <a:cs typeface="Aharoni" pitchFamily="2" charset="-79"/>
               </a:rPr>
-              <a:t>MVC</a:t>
+              <a:t>Mais Sobre</a:t>
             </a:r>
           </a:p>
           <a:p>
@@ -7850,9 +8098,91 @@
           <a:effectLst/>
         </p:spPr>
       </p:pic>
+      <p:sp>
+        <p:nvSpPr>
+          <p:cNvPr id="2" name="Espaço Reservado para Número de Slide 1"/>
+          <p:cNvSpPr>
+            <a:spLocks noGrp="1"/>
+          </p:cNvSpPr>
+          <p:nvPr>
+            <p:ph type="sldNum" sz="quarter" idx="12"/>
+          </p:nvPr>
+        </p:nvSpPr>
+        <p:spPr/>
+        <p:txBody>
+          <a:bodyPr/>
+          <a:lstStyle/>
+          <a:p>
+            <a:fld id="{1DDCB7E2-6FE2-4114-9269-8DE6ED9DF597}" type="slidenum">
+              <a:rPr lang="pt-BR" smtClean="0"/>
+              <a:pPr/>
+              <a:t>8</a:t>
+            </a:fld>
+            <a:endParaRPr lang="pt-BR" dirty="0"/>
+          </a:p>
+        </p:txBody>
+      </p:sp>
+      <p:sp>
+        <p:nvSpPr>
+          <p:cNvPr id="4" name="Retângulo 3"/>
+          <p:cNvSpPr/>
+          <p:nvPr/>
+        </p:nvSpPr>
+        <p:spPr>
+          <a:xfrm>
+            <a:off x="214282" y="1820938"/>
+            <a:ext cx="2000264" cy="1107996"/>
+          </a:xfrm>
+          <a:prstGeom prst="rect">
+            <a:avLst/>
+          </a:prstGeom>
+        </p:spPr>
+        <p:txBody>
+          <a:bodyPr wrap="square">
+            <a:spAutoFit/>
+          </a:bodyPr>
+          <a:lstStyle/>
+          <a:p>
+            <a:endParaRPr lang="en-US" b="1" dirty="0">
+              <a:solidFill>
+                <a:schemeClr val="bg2"/>
+              </a:solidFill>
+            </a:endParaRPr>
+          </a:p>
+          <a:p>
+            <a:pPr algn="ctr"/>
+            <a:r>
+              <a:rPr lang="en-US" sz="3000" b="1" dirty="0" smtClean="0">
+                <a:solidFill>
+                  <a:schemeClr val="bg2"/>
+                </a:solidFill>
+                <a:latin typeface="+mj-lt"/>
+                <a:ea typeface="Microsoft JhengHei" pitchFamily="34" charset="-120"/>
+                <a:cs typeface="Aharoni" pitchFamily="2" charset="-79"/>
+              </a:rPr>
+              <a:t>Download</a:t>
+            </a:r>
+            <a:endParaRPr lang="en-US" sz="3000" b="1" dirty="0" smtClean="0">
+              <a:solidFill>
+                <a:schemeClr val="bg2"/>
+              </a:solidFill>
+              <a:latin typeface="+mj-lt"/>
+              <a:ea typeface="Microsoft JhengHei" pitchFamily="34" charset="-120"/>
+              <a:cs typeface="Aharoni" pitchFamily="2" charset="-79"/>
+            </a:endParaRPr>
+          </a:p>
+          <a:p>
+            <a:endParaRPr lang="en-US" b="1" dirty="0">
+              <a:solidFill>
+                <a:schemeClr val="bg2"/>
+              </a:solidFill>
+            </a:endParaRPr>
+          </a:p>
+        </p:txBody>
+      </p:sp>
       <p:pic>
         <p:nvPicPr>
-          <p:cNvPr id="6" name="Imagem 5" descr="classcontroler.jpg"/>
+          <p:cNvPr id="5" name="Imagem 4" descr="zip.jpg"/>
           <p:cNvPicPr>
             <a:picLocks noChangeAspect="1"/>
           </p:cNvPicPr>
@@ -7866,8 +8196,8 @@
         </p:blipFill>
         <p:spPr>
           <a:xfrm>
-            <a:off x="2500298" y="1814667"/>
-            <a:ext cx="6143668" cy="4971919"/>
+            <a:off x="2357422" y="1643050"/>
+            <a:ext cx="6750914" cy="2752107"/>
           </a:xfrm>
           <a:prstGeom prst="rect">
             <a:avLst/>
@@ -7876,38 +8206,14 @@
       </p:pic>
       <p:sp>
         <p:nvSpPr>
-          <p:cNvPr id="2" name="Espaço Reservado para Número de Slide 1"/>
-          <p:cNvSpPr>
-            <a:spLocks noGrp="1"/>
-          </p:cNvSpPr>
-          <p:nvPr>
-            <p:ph type="sldNum" sz="quarter" idx="12"/>
-          </p:nvPr>
-        </p:nvSpPr>
-        <p:spPr/>
-        <p:txBody>
-          <a:bodyPr/>
-          <a:lstStyle/>
-          <a:p>
-            <a:fld id="{1DDCB7E2-6FE2-4114-9269-8DE6ED9DF597}" type="slidenum">
-              <a:rPr lang="pt-BR" smtClean="0"/>
-              <a:pPr/>
-              <a:t>8</a:t>
-            </a:fld>
-            <a:endParaRPr lang="pt-BR" dirty="0"/>
-          </a:p>
-        </p:txBody>
-      </p:sp>
-      <p:sp>
-        <p:nvSpPr>
-          <p:cNvPr id="4" name="Retângulo 3"/>
+          <p:cNvPr id="7" name="Retângulo 6"/>
           <p:cNvSpPr/>
           <p:nvPr/>
         </p:nvSpPr>
         <p:spPr>
           <a:xfrm>
-            <a:off x="214282" y="1820938"/>
-            <a:ext cx="2000264" cy="1569660"/>
+            <a:off x="2928926" y="5072074"/>
+            <a:ext cx="5715040" cy="553998"/>
           </a:xfrm>
           <a:prstGeom prst="rect">
             <a:avLst/>
@@ -7919,74 +8225,80 @@
           </a:bodyPr>
           <a:lstStyle/>
           <a:p>
-            <a:endParaRPr lang="en-US" b="1" dirty="0">
-              <a:solidFill>
-                <a:schemeClr val="bg2"/>
-              </a:solidFill>
-            </a:endParaRPr>
-          </a:p>
-          <a:p>
-            <a:pPr algn="ctr"/>
-            <a:r>
-              <a:rPr lang="en-US" sz="3000" b="1" dirty="0" smtClean="0">
-                <a:solidFill>
-                  <a:schemeClr val="bg2"/>
-                </a:solidFill>
-                <a:latin typeface="+mj-lt"/>
-                <a:ea typeface="Microsoft JhengHei" pitchFamily="34" charset="-120"/>
-                <a:cs typeface="Aharoni" pitchFamily="2" charset="-79"/>
+            <a:r>
+              <a:rPr lang="pt-BR" sz="3000" b="1" dirty="0" smtClean="0">
+                <a:ln w="1905"/>
+                <a:gradFill>
+                  <a:gsLst>
+                    <a:gs pos="0">
+                      <a:schemeClr val="accent6">
+                        <a:shade val="20000"/>
+                        <a:satMod val="200000"/>
+                      </a:schemeClr>
+                    </a:gs>
+                    <a:gs pos="78000">
+                      <a:schemeClr val="accent6">
+                        <a:tint val="90000"/>
+                        <a:shade val="89000"/>
+                        <a:satMod val="220000"/>
+                      </a:schemeClr>
+                    </a:gs>
+                    <a:gs pos="100000">
+                      <a:schemeClr val="accent6">
+                        <a:tint val="12000"/>
+                        <a:satMod val="255000"/>
+                      </a:schemeClr>
+                    </a:gs>
+                  </a:gsLst>
+                  <a:lin ang="5400000"/>
+                </a:gradFill>
+                <a:effectLst>
+                  <a:innerShdw blurRad="69850" dist="43180" dir="5400000">
+                    <a:srgbClr val="000000">
+                      <a:alpha val="65000"/>
+                    </a:srgbClr>
+                  </a:innerShdw>
+                </a:effectLst>
+                <a:latin typeface="Arial" pitchFamily="34" charset="0"/>
+                <a:cs typeface="Arial" pitchFamily="34" charset="0"/>
               </a:rPr>
-              <a:t>URL Amigáveis</a:t>
-            </a:r>
-          </a:p>
-          <a:p>
-            <a:endParaRPr lang="en-US" b="1" dirty="0">
-              <a:solidFill>
-                <a:schemeClr val="bg2"/>
-              </a:solidFill>
-            </a:endParaRPr>
-          </a:p>
-        </p:txBody>
-      </p:sp>
-      <p:sp>
-        <p:nvSpPr>
-          <p:cNvPr id="8" name="Retângulo 7"/>
-          <p:cNvSpPr/>
-          <p:nvPr/>
-        </p:nvSpPr>
-        <p:spPr>
-          <a:xfrm>
-            <a:off x="3929058" y="1500174"/>
-            <a:ext cx="2928926" cy="400110"/>
-          </a:xfrm>
-          <a:prstGeom prst="rect">
-            <a:avLst/>
-          </a:prstGeom>
-        </p:spPr>
-        <p:txBody>
-          <a:bodyPr wrap="square">
-            <a:spAutoFit/>
-          </a:bodyPr>
-          <a:lstStyle/>
-          <a:p>
-            <a:r>
-              <a:rPr lang="pt-BR" sz="2000" dirty="0" smtClean="0">
-                <a:solidFill>
-                  <a:schemeClr val="tx1">
-                    <a:lumMod val="65000"/>
-                    <a:lumOff val="35000"/>
-                  </a:schemeClr>
-                </a:solidFill>
-              </a:rPr>
-              <a:t>ci_sample_controller.php</a:t>
-            </a:r>
-            <a:endParaRPr lang="pt-BR" sz="2000" dirty="0">
-              <a:solidFill>
-                <a:schemeClr val="tx1">
-                  <a:lumMod val="65000"/>
-                  <a:lumOff val="35000"/>
-                </a:schemeClr>
-              </a:solidFill>
+              <a:t>http://ellislab.com/codeigniter</a:t>
+            </a:r>
+            <a:endParaRPr lang="pt-BR" sz="3000" b="1" dirty="0">
+              <a:ln w="1905"/>
+              <a:gradFill>
+                <a:gsLst>
+                  <a:gs pos="0">
+                    <a:schemeClr val="accent6">
+                      <a:shade val="20000"/>
+                      <a:satMod val="200000"/>
+                    </a:schemeClr>
+                  </a:gs>
+                  <a:gs pos="78000">
+                    <a:schemeClr val="accent6">
+                      <a:tint val="90000"/>
+                      <a:shade val="89000"/>
+                      <a:satMod val="220000"/>
+                    </a:schemeClr>
+                  </a:gs>
+                  <a:gs pos="100000">
+                    <a:schemeClr val="accent6">
+                      <a:tint val="12000"/>
+                      <a:satMod val="255000"/>
+                    </a:schemeClr>
+                  </a:gs>
+                </a:gsLst>
+                <a:lin ang="5400000"/>
+              </a:gradFill>
+              <a:effectLst>
+                <a:innerShdw blurRad="69850" dist="43180" dir="5400000">
+                  <a:srgbClr val="000000">
+                    <a:alpha val="65000"/>
+                  </a:srgbClr>
+                </a:innerShdw>
+              </a:effectLst>
+              <a:latin typeface="Arial" pitchFamily="34" charset="0"/>
+              <a:cs typeface="Arial" pitchFamily="34" charset="0"/>
             </a:endParaRPr>
           </a:p>
         </p:txBody>
@@ -8025,55 +8337,40 @@
       </p:grpSpPr>
       <p:pic>
         <p:nvPicPr>
-          <p:cNvPr id="4" name="Imagem 3" descr="Controllers-Function-content.jpeg"/>
+          <p:cNvPr id="3" name="Picture 2"/>
           <p:cNvPicPr>
-            <a:picLocks noChangeAspect="1"/>
+            <a:picLocks noChangeAspect="1" noChangeArrowheads="1"/>
           </p:cNvPicPr>
           <p:nvPr/>
         </p:nvPicPr>
         <p:blipFill>
           <a:blip r:embed="rId2"/>
+          <a:srcRect/>
           <a:stretch>
             <a:fillRect/>
           </a:stretch>
         </p:blipFill>
-        <p:spPr>
-          <a:xfrm>
-            <a:off x="0" y="24"/>
+        <p:spPr bwMode="auto">
+          <a:xfrm>
+            <a:off x="0" y="0"/>
             <a:ext cx="9144000" cy="6858000"/>
           </a:xfrm>
           <a:prstGeom prst="rect">
             <a:avLst/>
           </a:prstGeom>
+          <a:noFill/>
+          <a:ln w="9525">
+            <a:noFill/>
+            <a:miter lim="800000"/>
+            <a:headEnd/>
+            <a:tailEnd/>
+          </a:ln>
+          <a:effectLst/>
         </p:spPr>
       </p:pic>
-      <p:sp>
-        <p:nvSpPr>
-          <p:cNvPr id="2" name="Espaço Reservado para Número de Slide 1"/>
-          <p:cNvSpPr>
-            <a:spLocks noGrp="1"/>
-          </p:cNvSpPr>
-          <p:nvPr>
-            <p:ph type="sldNum" sz="quarter" idx="12"/>
-          </p:nvPr>
-        </p:nvSpPr>
-        <p:spPr/>
-        <p:txBody>
-          <a:bodyPr/>
-          <a:lstStyle/>
-          <a:p>
-            <a:fld id="{1DDCB7E2-6FE2-4114-9269-8DE6ED9DF597}" type="slidenum">
-              <a:rPr lang="pt-BR" smtClean="0"/>
-              <a:pPr/>
-              <a:t>9</a:t>
-            </a:fld>
-            <a:endParaRPr lang="pt-BR" dirty="0"/>
-          </a:p>
-        </p:txBody>
-      </p:sp>
       <p:pic>
         <p:nvPicPr>
-          <p:cNvPr id="5" name="Imagem 4" descr="viewhellow.jpg"/>
+          <p:cNvPr id="7" name="Imagem 6" descr="mvc2.png"/>
           <p:cNvPicPr>
             <a:picLocks noChangeAspect="1"/>
           </p:cNvPicPr>
@@ -8087,29 +8384,48 @@
         </p:blipFill>
         <p:spPr>
           <a:xfrm>
-            <a:off x="785786" y="4500570"/>
-            <a:ext cx="4429156" cy="1285884"/>
+            <a:off x="2714612" y="1563486"/>
+            <a:ext cx="6072230" cy="5294514"/>
           </a:xfrm>
           <a:prstGeom prst="rect">
             <a:avLst/>
           </a:prstGeom>
-          <a:ln w="76200">
-            <a:solidFill>
-              <a:schemeClr val="tx1"/>
-            </a:solidFill>
-          </a:ln>
         </p:spPr>
       </p:pic>
       <p:sp>
         <p:nvSpPr>
-          <p:cNvPr id="6" name="Retângulo 5"/>
+          <p:cNvPr id="2" name="Espaço Reservado para Número de Slide 1"/>
+          <p:cNvSpPr>
+            <a:spLocks noGrp="1"/>
+          </p:cNvSpPr>
+          <p:nvPr>
+            <p:ph type="sldNum" sz="quarter" idx="12"/>
+          </p:nvPr>
+        </p:nvSpPr>
+        <p:spPr/>
+        <p:txBody>
+          <a:bodyPr/>
+          <a:lstStyle/>
+          <a:p>
+            <a:fld id="{1DDCB7E2-6FE2-4114-9269-8DE6ED9DF597}" type="slidenum">
+              <a:rPr lang="pt-BR" smtClean="0"/>
+              <a:pPr/>
+              <a:t>9</a:t>
+            </a:fld>
+            <a:endParaRPr lang="pt-BR" dirty="0"/>
+          </a:p>
+        </p:txBody>
+      </p:sp>
+      <p:sp>
+        <p:nvSpPr>
+          <p:cNvPr id="4" name="Retângulo 3"/>
           <p:cNvSpPr/>
           <p:nvPr/>
         </p:nvSpPr>
         <p:spPr>
           <a:xfrm>
-            <a:off x="785786" y="4000504"/>
-            <a:ext cx="2428892" cy="400110"/>
+            <a:off x="214282" y="1820938"/>
+            <a:ext cx="2000264" cy="1107996"/>
           </a:xfrm>
           <a:prstGeom prst="rect">
             <a:avLst/>
@@ -8121,34 +8437,30 @@
           </a:bodyPr>
           <a:lstStyle/>
           <a:p>
-            <a:r>
-              <a:rPr lang="pt-BR" sz="2000" dirty="0">
+            <a:endParaRPr lang="en-US" b="1" dirty="0">
+              <a:solidFill>
+                <a:schemeClr val="bg2"/>
+              </a:solidFill>
+            </a:endParaRPr>
+          </a:p>
+          <a:p>
+            <a:pPr algn="ctr"/>
+            <a:r>
+              <a:rPr lang="en-US" sz="3000" b="1" dirty="0" smtClean="0">
                 <a:solidFill>
-                  <a:schemeClr val="tx1">
-                    <a:lumMod val="65000"/>
-                    <a:lumOff val="35000"/>
-                  </a:schemeClr>
+                  <a:schemeClr val="bg2"/>
                 </a:solidFill>
+                <a:latin typeface="+mj-lt"/>
+                <a:ea typeface="Microsoft JhengHei" pitchFamily="34" charset="-120"/>
+                <a:cs typeface="Aharoni" pitchFamily="2" charset="-79"/>
               </a:rPr>
-              <a:t>c</a:t>
-            </a:r>
-            <a:r>
-              <a:rPr lang="pt-BR" sz="2000" dirty="0" smtClean="0">
-                <a:solidFill>
-                  <a:schemeClr val="tx1">
-                    <a:lumMod val="65000"/>
-                    <a:lumOff val="35000"/>
-                  </a:schemeClr>
-                </a:solidFill>
-              </a:rPr>
-              <a:t>i_sample_view.php</a:t>
-            </a:r>
-            <a:endParaRPr lang="pt-BR" sz="2000" dirty="0">
+              <a:t>MVC</a:t>
+            </a:r>
+          </a:p>
+          <a:p>
+            <a:endParaRPr lang="en-US" b="1" dirty="0">
               <a:solidFill>
-                <a:schemeClr val="tx1">
-                  <a:lumMod val="65000"/>
-                  <a:lumOff val="35000"/>
-                </a:schemeClr>
+                <a:schemeClr val="bg2"/>
               </a:solidFill>
             </a:endParaRPr>
           </a:p>
